--- a/papers/useR_2014/poster picture.pptx
+++ b/papers/useR_2014/poster picture.pptx
@@ -20,6 +20,8 @@
     <p:sldId id="268" r:id="rId14"/>
     <p:sldId id="269" r:id="rId15"/>
     <p:sldId id="270" r:id="rId16"/>
+    <p:sldId id="271" r:id="rId17"/>
+    <p:sldId id="272" r:id="rId18"/>
   </p:sldIdLst>
   <p:sldSz cx="12192000" cy="6858000"/>
   <p:notesSz cx="6858000" cy="9144000"/>
@@ -257,7 +259,7 @@
           <a:p>
             <a:fld id="{9C70C43B-A0CF-4A0A-A8D2-E4E0B46452F2}" type="datetimeFigureOut">
               <a:rPr lang="ko-KR" altLang="en-US" smtClean="0"/>
-              <a:t>2014-06-16</a:t>
+              <a:t>2014-06-25</a:t>
             </a:fld>
             <a:endParaRPr lang="ko-KR" altLang="en-US"/>
           </a:p>
@@ -427,7 +429,7 @@
           <a:p>
             <a:fld id="{9C70C43B-A0CF-4A0A-A8D2-E4E0B46452F2}" type="datetimeFigureOut">
               <a:rPr lang="ko-KR" altLang="en-US" smtClean="0"/>
-              <a:t>2014-06-16</a:t>
+              <a:t>2014-06-25</a:t>
             </a:fld>
             <a:endParaRPr lang="ko-KR" altLang="en-US"/>
           </a:p>
@@ -607,7 +609,7 @@
           <a:p>
             <a:fld id="{9C70C43B-A0CF-4A0A-A8D2-E4E0B46452F2}" type="datetimeFigureOut">
               <a:rPr lang="ko-KR" altLang="en-US" smtClean="0"/>
-              <a:t>2014-06-16</a:t>
+              <a:t>2014-06-25</a:t>
             </a:fld>
             <a:endParaRPr lang="ko-KR" altLang="en-US"/>
           </a:p>
@@ -777,7 +779,7 @@
           <a:p>
             <a:fld id="{9C70C43B-A0CF-4A0A-A8D2-E4E0B46452F2}" type="datetimeFigureOut">
               <a:rPr lang="ko-KR" altLang="en-US" smtClean="0"/>
-              <a:t>2014-06-16</a:t>
+              <a:t>2014-06-25</a:t>
             </a:fld>
             <a:endParaRPr lang="ko-KR" altLang="en-US"/>
           </a:p>
@@ -1023,7 +1025,7 @@
           <a:p>
             <a:fld id="{9C70C43B-A0CF-4A0A-A8D2-E4E0B46452F2}" type="datetimeFigureOut">
               <a:rPr lang="ko-KR" altLang="en-US" smtClean="0"/>
-              <a:t>2014-06-16</a:t>
+              <a:t>2014-06-25</a:t>
             </a:fld>
             <a:endParaRPr lang="ko-KR" altLang="en-US"/>
           </a:p>
@@ -1255,7 +1257,7 @@
           <a:p>
             <a:fld id="{9C70C43B-A0CF-4A0A-A8D2-E4E0B46452F2}" type="datetimeFigureOut">
               <a:rPr lang="ko-KR" altLang="en-US" smtClean="0"/>
-              <a:t>2014-06-16</a:t>
+              <a:t>2014-06-25</a:t>
             </a:fld>
             <a:endParaRPr lang="ko-KR" altLang="en-US"/>
           </a:p>
@@ -1622,7 +1624,7 @@
           <a:p>
             <a:fld id="{9C70C43B-A0CF-4A0A-A8D2-E4E0B46452F2}" type="datetimeFigureOut">
               <a:rPr lang="ko-KR" altLang="en-US" smtClean="0"/>
-              <a:t>2014-06-16</a:t>
+              <a:t>2014-06-25</a:t>
             </a:fld>
             <a:endParaRPr lang="ko-KR" altLang="en-US"/>
           </a:p>
@@ -1740,7 +1742,7 @@
           <a:p>
             <a:fld id="{9C70C43B-A0CF-4A0A-A8D2-E4E0B46452F2}" type="datetimeFigureOut">
               <a:rPr lang="ko-KR" altLang="en-US" smtClean="0"/>
-              <a:t>2014-06-16</a:t>
+              <a:t>2014-06-25</a:t>
             </a:fld>
             <a:endParaRPr lang="ko-KR" altLang="en-US"/>
           </a:p>
@@ -1835,7 +1837,7 @@
           <a:p>
             <a:fld id="{9C70C43B-A0CF-4A0A-A8D2-E4E0B46452F2}" type="datetimeFigureOut">
               <a:rPr lang="ko-KR" altLang="en-US" smtClean="0"/>
-              <a:t>2014-06-16</a:t>
+              <a:t>2014-06-25</a:t>
             </a:fld>
             <a:endParaRPr lang="ko-KR" altLang="en-US"/>
           </a:p>
@@ -2112,7 +2114,7 @@
           <a:p>
             <a:fld id="{9C70C43B-A0CF-4A0A-A8D2-E4E0B46452F2}" type="datetimeFigureOut">
               <a:rPr lang="ko-KR" altLang="en-US" smtClean="0"/>
-              <a:t>2014-06-16</a:t>
+              <a:t>2014-06-25</a:t>
             </a:fld>
             <a:endParaRPr lang="ko-KR" altLang="en-US"/>
           </a:p>
@@ -2365,7 +2367,7 @@
           <a:p>
             <a:fld id="{9C70C43B-A0CF-4A0A-A8D2-E4E0B46452F2}" type="datetimeFigureOut">
               <a:rPr lang="ko-KR" altLang="en-US" smtClean="0"/>
-              <a:t>2014-06-16</a:t>
+              <a:t>2014-06-25</a:t>
             </a:fld>
             <a:endParaRPr lang="ko-KR" altLang="en-US"/>
           </a:p>
@@ -2578,7 +2580,7 @@
           <a:p>
             <a:fld id="{9C70C43B-A0CF-4A0A-A8D2-E4E0B46452F2}" type="datetimeFigureOut">
               <a:rPr lang="ko-KR" altLang="en-US" smtClean="0"/>
-              <a:t>2014-06-16</a:t>
+              <a:t>2014-06-25</a:t>
             </a:fld>
             <a:endParaRPr lang="ko-KR" altLang="en-US"/>
           </a:p>
@@ -4741,8 +4743,8 @@
         </p:blipFill>
         <p:spPr>
           <a:xfrm>
-            <a:off x="1905000" y="1309687"/>
-            <a:ext cx="8382000" cy="4238625"/>
+            <a:off x="1392382" y="1356014"/>
+            <a:ext cx="7161088" cy="3621232"/>
           </a:xfrm>
           <a:prstGeom prst="rect">
             <a:avLst/>
@@ -4757,8 +4759,8 @@
         </p:nvSpPr>
         <p:spPr>
           <a:xfrm>
-            <a:off x="3581400" y="2181225"/>
-            <a:ext cx="1406154" cy="369332"/>
+            <a:off x="2978726" y="2087708"/>
+            <a:ext cx="1666009" cy="369332"/>
           </a:xfrm>
           <a:prstGeom prst="rect">
             <a:avLst/>
@@ -4766,7 +4768,7 @@
           <a:noFill/>
         </p:spPr>
         <p:txBody>
-          <a:bodyPr wrap="none" rtlCol="0">
+          <a:bodyPr wrap="square" rtlCol="0">
             <a:spAutoFit/>
           </a:bodyPr>
           <a:lstStyle/>
@@ -4850,6 +4852,13 @@
   <p:clrMapOvr>
     <a:masterClrMapping/>
   </p:clrMapOvr>
+  <p:timing>
+    <p:tnLst>
+      <p:par>
+        <p:cTn id="1" dur="indefinite" restart="never" nodeType="tmRoot"/>
+      </p:par>
+    </p:tnLst>
+  </p:timing>
 </p:sld>
 </file>
 
@@ -5000,8 +5009,8 @@
         </p:blipFill>
         <p:spPr>
           <a:xfrm>
-            <a:off x="1695450" y="2686050"/>
-            <a:ext cx="8801100" cy="1485900"/>
+            <a:off x="1" y="2393390"/>
+            <a:ext cx="12192000" cy="2058390"/>
           </a:xfrm>
           <a:prstGeom prst="rect">
             <a:avLst/>
@@ -9010,6 +9019,1860 @@
   <p:clrMapOvr>
     <a:masterClrMapping/>
   </p:clrMapOvr>
+  <p:timing>
+    <p:tnLst>
+      <p:par>
+        <p:cTn id="1" dur="indefinite" restart="never" nodeType="tmRoot"/>
+      </p:par>
+    </p:tnLst>
+  </p:timing>
+</p:sld>
+</file>
+
+<file path=ppt/slides/slide16.xml><?xml version="1.0" encoding="utf-8"?>
+<p:sld xmlns:a="http://schemas.openxmlformats.org/drawingml/2006/main" xmlns:r="http://schemas.openxmlformats.org/officeDocument/2006/relationships" xmlns:p="http://schemas.openxmlformats.org/presentationml/2006/main">
+  <p:cSld>
+    <p:spTree>
+      <p:nvGrpSpPr>
+        <p:cNvPr id="1" name=""/>
+        <p:cNvGrpSpPr/>
+        <p:nvPr/>
+      </p:nvGrpSpPr>
+      <p:grpSpPr>
+        <a:xfrm>
+          <a:off x="0" y="0"/>
+          <a:ext cx="0" cy="0"/>
+          <a:chOff x="0" y="0"/>
+          <a:chExt cx="0" cy="0"/>
+        </a:xfrm>
+      </p:grpSpPr>
+      <p:sp>
+        <p:nvSpPr>
+          <p:cNvPr id="4" name="TextBox 3"/>
+          <p:cNvSpPr txBox="1"/>
+          <p:nvPr/>
+        </p:nvSpPr>
+        <p:spPr>
+          <a:xfrm>
+            <a:off x="561472" y="428603"/>
+            <a:ext cx="7870681" cy="3416320"/>
+          </a:xfrm>
+          <a:prstGeom prst="rect">
+            <a:avLst/>
+          </a:prstGeom>
+          <a:noFill/>
+        </p:spPr>
+        <p:txBody>
+          <a:bodyPr wrap="none" rtlCol="0">
+            <a:spAutoFit/>
+          </a:bodyPr>
+          <a:lstStyle/>
+          <a:p>
+            <a:r>
+              <a:rPr lang="en-US" altLang="ko-KR" dirty="0" err="1" smtClean="0">
+                <a:latin typeface="Calibri Light" panose="020F0302020204030204" pitchFamily="34" charset="0"/>
+                <a:ea typeface="SimSun" panose="02010600030101010101" pitchFamily="2" charset="-122"/>
+                <a:cs typeface="Vani" panose="020B0502040204020203" pitchFamily="34" charset="0"/>
+              </a:rPr>
+              <a:t>Obj</a:t>
+            </a:r>
+            <a:r>
+              <a:rPr lang="en-US" altLang="ko-KR" dirty="0" smtClean="0">
+                <a:latin typeface="Calibri Light" panose="020F0302020204030204" pitchFamily="34" charset="0"/>
+                <a:ea typeface="SimSun" panose="02010600030101010101" pitchFamily="2" charset="-122"/>
+                <a:cs typeface="Vani" panose="020B0502040204020203" pitchFamily="34" charset="0"/>
+              </a:rPr>
+              <a:t> &lt;- RIGHT({</a:t>
+            </a:r>
+          </a:p>
+          <a:p>
+            <a:r>
+              <a:rPr lang="en-US" altLang="ko-KR" dirty="0">
+                <a:latin typeface="Calibri Light" panose="020F0302020204030204" pitchFamily="34" charset="0"/>
+                <a:ea typeface="SimSun" panose="02010600030101010101" pitchFamily="2" charset="-122"/>
+                <a:cs typeface="Vani" panose="020B0502040204020203" pitchFamily="34" charset="0"/>
+              </a:rPr>
+              <a:t> </a:t>
+            </a:r>
+            <a:r>
+              <a:rPr lang="en-US" altLang="ko-KR" dirty="0" smtClean="0">
+                <a:latin typeface="Calibri Light" panose="020F0302020204030204" pitchFamily="34" charset="0"/>
+                <a:ea typeface="SimSun" panose="02010600030101010101" pitchFamily="2" charset="-122"/>
+                <a:cs typeface="Vani" panose="020B0502040204020203" pitchFamily="34" charset="0"/>
+              </a:rPr>
+              <a:t>      plot(</a:t>
+            </a:r>
+            <a:r>
+              <a:rPr lang="en-US" altLang="ko-KR" dirty="0" err="1" smtClean="0">
+                <a:latin typeface="Calibri Light" panose="020F0302020204030204" pitchFamily="34" charset="0"/>
+                <a:ea typeface="SimSun" panose="02010600030101010101" pitchFamily="2" charset="-122"/>
+                <a:cs typeface="Vani" panose="020B0502040204020203" pitchFamily="34" charset="0"/>
+              </a:rPr>
+              <a:t>conc</a:t>
+            </a:r>
+            <a:r>
+              <a:rPr lang="en-US" altLang="ko-KR" dirty="0" smtClean="0">
+                <a:latin typeface="Calibri Light" panose="020F0302020204030204" pitchFamily="34" charset="0"/>
+                <a:ea typeface="SimSun" panose="02010600030101010101" pitchFamily="2" charset="-122"/>
+                <a:cs typeface="Vani" panose="020B0502040204020203" pitchFamily="34" charset="0"/>
+              </a:rPr>
+              <a:t> ~Time, </a:t>
+            </a:r>
+            <a:r>
+              <a:rPr lang="en-US" altLang="ko-KR" dirty="0" err="1" smtClean="0">
+                <a:latin typeface="Calibri Light" panose="020F0302020204030204" pitchFamily="34" charset="0"/>
+                <a:ea typeface="SimSun" panose="02010600030101010101" pitchFamily="2" charset="-122"/>
+                <a:cs typeface="Vani" panose="020B0502040204020203" pitchFamily="34" charset="0"/>
+              </a:rPr>
+              <a:t>Theoph</a:t>
+            </a:r>
+            <a:r>
+              <a:rPr lang="en-US" altLang="ko-KR" dirty="0" smtClean="0">
+                <a:latin typeface="Calibri Light" panose="020F0302020204030204" pitchFamily="34" charset="0"/>
+                <a:ea typeface="SimSun" panose="02010600030101010101" pitchFamily="2" charset="-122"/>
+                <a:cs typeface="Vani" panose="020B0502040204020203" pitchFamily="34" charset="0"/>
+              </a:rPr>
+              <a:t>, color = color)</a:t>
+            </a:r>
+          </a:p>
+          <a:p>
+            <a:r>
+              <a:rPr lang="en-US" altLang="ko-KR" dirty="0">
+                <a:latin typeface="Calibri Light" panose="020F0302020204030204" pitchFamily="34" charset="0"/>
+                <a:ea typeface="SimSun" panose="02010600030101010101" pitchFamily="2" charset="-122"/>
+                <a:cs typeface="Vani" panose="020B0502040204020203" pitchFamily="34" charset="0"/>
+              </a:rPr>
+              <a:t> </a:t>
+            </a:r>
+            <a:r>
+              <a:rPr lang="en-US" altLang="ko-KR" dirty="0" smtClean="0">
+                <a:latin typeface="Calibri Light" panose="020F0302020204030204" pitchFamily="34" charset="0"/>
+                <a:ea typeface="SimSun" panose="02010600030101010101" pitchFamily="2" charset="-122"/>
+                <a:cs typeface="Vani" panose="020B0502040204020203" pitchFamily="34" charset="0"/>
+              </a:rPr>
+              <a:t>      </a:t>
+            </a:r>
+            <a:r>
+              <a:rPr lang="en-US" altLang="ko-KR" dirty="0" err="1" smtClean="0">
+                <a:latin typeface="Calibri Light" panose="020F0302020204030204" pitchFamily="34" charset="0"/>
+                <a:ea typeface="SimSun" panose="02010600030101010101" pitchFamily="2" charset="-122"/>
+                <a:cs typeface="Vani" panose="020B0502040204020203" pitchFamily="34" charset="0"/>
+              </a:rPr>
+              <a:t>runServer.RIGHT</a:t>
+            </a:r>
+            <a:r>
+              <a:rPr lang="en-US" altLang="ko-KR" dirty="0" smtClean="0">
+                <a:latin typeface="Calibri Light" panose="020F0302020204030204" pitchFamily="34" charset="0"/>
+                <a:ea typeface="SimSun" panose="02010600030101010101" pitchFamily="2" charset="-122"/>
+                <a:cs typeface="Vani" panose="020B0502040204020203" pitchFamily="34" charset="0"/>
+              </a:rPr>
+              <a:t>(</a:t>
+            </a:r>
+            <a:r>
+              <a:rPr lang="en-US" altLang="ko-KR" dirty="0" err="1" smtClean="0">
+                <a:latin typeface="Calibri Light" panose="020F0302020204030204" pitchFamily="34" charset="0"/>
+                <a:ea typeface="SimSun" panose="02010600030101010101" pitchFamily="2" charset="-122"/>
+                <a:cs typeface="Vani" panose="020B0502040204020203" pitchFamily="34" charset="0"/>
+              </a:rPr>
+              <a:t>loessArray</a:t>
+            </a:r>
+            <a:r>
+              <a:rPr lang="en-US" altLang="ko-KR" dirty="0" smtClean="0">
+                <a:latin typeface="Calibri Light" panose="020F0302020204030204" pitchFamily="34" charset="0"/>
+                <a:ea typeface="SimSun" panose="02010600030101010101" pitchFamily="2" charset="-122"/>
+                <a:cs typeface="Vani" panose="020B0502040204020203" pitchFamily="34" charset="0"/>
+              </a:rPr>
+              <a:t>, {</a:t>
+            </a:r>
+          </a:p>
+          <a:p>
+            <a:r>
+              <a:rPr lang="en-US" altLang="ko-KR" dirty="0">
+                <a:latin typeface="Calibri Light" panose="020F0302020204030204" pitchFamily="34" charset="0"/>
+                <a:ea typeface="SimSun" panose="02010600030101010101" pitchFamily="2" charset="-122"/>
+                <a:cs typeface="Vani" panose="020B0502040204020203" pitchFamily="34" charset="0"/>
+              </a:rPr>
+              <a:t>  </a:t>
+            </a:r>
+            <a:r>
+              <a:rPr lang="en-US" altLang="ko-KR" dirty="0" smtClean="0">
+                <a:latin typeface="Calibri Light" panose="020F0302020204030204" pitchFamily="34" charset="0"/>
+                <a:ea typeface="SimSun" panose="02010600030101010101" pitchFamily="2" charset="-122"/>
+                <a:cs typeface="Vani" panose="020B0502040204020203" pitchFamily="34" charset="0"/>
+              </a:rPr>
+              <a:t>          </a:t>
+            </a:r>
+            <a:r>
+              <a:rPr lang="en-US" altLang="ko-KR" dirty="0" err="1" smtClean="0">
+                <a:latin typeface="Calibri Light" panose="020F0302020204030204" pitchFamily="34" charset="0"/>
+                <a:ea typeface="SimSun" panose="02010600030101010101" pitchFamily="2" charset="-122"/>
+                <a:cs typeface="Vani" panose="020B0502040204020203" pitchFamily="34" charset="0"/>
+              </a:rPr>
+              <a:t>obj</a:t>
+            </a:r>
+            <a:r>
+              <a:rPr lang="en-US" altLang="ko-KR" dirty="0" smtClean="0">
+                <a:latin typeface="Calibri Light" panose="020F0302020204030204" pitchFamily="34" charset="0"/>
+                <a:ea typeface="SimSun" panose="02010600030101010101" pitchFamily="2" charset="-122"/>
+                <a:cs typeface="Vani" panose="020B0502040204020203" pitchFamily="34" charset="0"/>
+              </a:rPr>
+              <a:t> &lt;- loess(</a:t>
+            </a:r>
+            <a:r>
+              <a:rPr lang="en-US" altLang="ko-KR" dirty="0" err="1" smtClean="0">
+                <a:latin typeface="Calibri Light" panose="020F0302020204030204" pitchFamily="34" charset="0"/>
+                <a:ea typeface="SimSun" panose="02010600030101010101" pitchFamily="2" charset="-122"/>
+                <a:cs typeface="Vani" panose="020B0502040204020203" pitchFamily="34" charset="0"/>
+              </a:rPr>
+              <a:t>conc</a:t>
+            </a:r>
+            <a:r>
+              <a:rPr lang="en-US" altLang="ko-KR" dirty="0" smtClean="0">
+                <a:latin typeface="Calibri Light" panose="020F0302020204030204" pitchFamily="34" charset="0"/>
+                <a:ea typeface="SimSun" panose="02010600030101010101" pitchFamily="2" charset="-122"/>
+                <a:cs typeface="Vani" panose="020B0502040204020203" pitchFamily="34" charset="0"/>
+              </a:rPr>
+              <a:t> ~ Time, data = </a:t>
+            </a:r>
+            <a:r>
+              <a:rPr lang="en-US" altLang="ko-KR" dirty="0" err="1" smtClean="0">
+                <a:latin typeface="Calibri Light" panose="020F0302020204030204" pitchFamily="34" charset="0"/>
+                <a:ea typeface="SimSun" panose="02010600030101010101" pitchFamily="2" charset="-122"/>
+                <a:cs typeface="Vani" panose="020B0502040204020203" pitchFamily="34" charset="0"/>
+              </a:rPr>
+              <a:t>Theoph</a:t>
+            </a:r>
+            <a:r>
+              <a:rPr lang="en-US" altLang="ko-KR" dirty="0" smtClean="0">
+                <a:latin typeface="Calibri Light" panose="020F0302020204030204" pitchFamily="34" charset="0"/>
+                <a:ea typeface="SimSun" panose="02010600030101010101" pitchFamily="2" charset="-122"/>
+                <a:cs typeface="Vani" panose="020B0502040204020203" pitchFamily="34" charset="0"/>
+              </a:rPr>
+              <a:t>)</a:t>
+            </a:r>
+          </a:p>
+          <a:p>
+            <a:r>
+              <a:rPr lang="en-US" altLang="ko-KR" dirty="0">
+                <a:latin typeface="Calibri Light" panose="020F0302020204030204" pitchFamily="34" charset="0"/>
+                <a:ea typeface="SimSun" panose="02010600030101010101" pitchFamily="2" charset="-122"/>
+                <a:cs typeface="Vani" panose="020B0502040204020203" pitchFamily="34" charset="0"/>
+              </a:rPr>
+              <a:t> </a:t>
+            </a:r>
+            <a:r>
+              <a:rPr lang="en-US" altLang="ko-KR" dirty="0" smtClean="0">
+                <a:latin typeface="Calibri Light" panose="020F0302020204030204" pitchFamily="34" charset="0"/>
+                <a:ea typeface="SimSun" panose="02010600030101010101" pitchFamily="2" charset="-122"/>
+                <a:cs typeface="Vani" panose="020B0502040204020203" pitchFamily="34" charset="0"/>
+              </a:rPr>
+              <a:t>           </a:t>
+            </a:r>
+            <a:r>
+              <a:rPr lang="en-US" altLang="ko-KR" dirty="0" err="1" smtClean="0">
+                <a:latin typeface="Calibri Light" panose="020F0302020204030204" pitchFamily="34" charset="0"/>
+                <a:ea typeface="SimSun" panose="02010600030101010101" pitchFamily="2" charset="-122"/>
+                <a:cs typeface="Vani" panose="020B0502040204020203" pitchFamily="34" charset="0"/>
+              </a:rPr>
+              <a:t>xRange</a:t>
+            </a:r>
+            <a:r>
+              <a:rPr lang="en-US" altLang="ko-KR" dirty="0" smtClean="0">
+                <a:latin typeface="Calibri Light" panose="020F0302020204030204" pitchFamily="34" charset="0"/>
+                <a:ea typeface="SimSun" panose="02010600030101010101" pitchFamily="2" charset="-122"/>
+                <a:cs typeface="Vani" panose="020B0502040204020203" pitchFamily="34" charset="0"/>
+              </a:rPr>
+              <a:t> &lt;- range(</a:t>
+            </a:r>
+            <a:r>
+              <a:rPr lang="en-US" altLang="ko-KR" dirty="0" err="1" smtClean="0">
+                <a:latin typeface="Calibri Light" panose="020F0302020204030204" pitchFamily="34" charset="0"/>
+                <a:ea typeface="SimSun" panose="02010600030101010101" pitchFamily="2" charset="-122"/>
+                <a:cs typeface="Vani" panose="020B0502040204020203" pitchFamily="34" charset="0"/>
+              </a:rPr>
+              <a:t>Theoph$conc</a:t>
+            </a:r>
+            <a:r>
+              <a:rPr lang="en-US" altLang="ko-KR" dirty="0" smtClean="0">
+                <a:latin typeface="Calibri Light" panose="020F0302020204030204" pitchFamily="34" charset="0"/>
+                <a:ea typeface="SimSun" panose="02010600030101010101" pitchFamily="2" charset="-122"/>
+                <a:cs typeface="Vani" panose="020B0502040204020203" pitchFamily="34" charset="0"/>
+              </a:rPr>
+              <a:t>)</a:t>
+            </a:r>
+          </a:p>
+          <a:p>
+            <a:r>
+              <a:rPr lang="en-US" altLang="ko-KR" dirty="0">
+                <a:latin typeface="Calibri Light" panose="020F0302020204030204" pitchFamily="34" charset="0"/>
+                <a:ea typeface="SimSun" panose="02010600030101010101" pitchFamily="2" charset="-122"/>
+                <a:cs typeface="Vani" panose="020B0502040204020203" pitchFamily="34" charset="0"/>
+              </a:rPr>
+              <a:t> </a:t>
+            </a:r>
+            <a:r>
+              <a:rPr lang="en-US" altLang="ko-KR" dirty="0" smtClean="0">
+                <a:latin typeface="Calibri Light" panose="020F0302020204030204" pitchFamily="34" charset="0"/>
+                <a:ea typeface="SimSun" panose="02010600030101010101" pitchFamily="2" charset="-122"/>
+                <a:cs typeface="Vani" panose="020B0502040204020203" pitchFamily="34" charset="0"/>
+              </a:rPr>
+              <a:t>           </a:t>
+            </a:r>
+            <a:r>
+              <a:rPr lang="en-US" altLang="ko-KR" dirty="0" err="1" smtClean="0">
+                <a:latin typeface="Calibri Light" panose="020F0302020204030204" pitchFamily="34" charset="0"/>
+                <a:ea typeface="SimSun" panose="02010600030101010101" pitchFamily="2" charset="-122"/>
+                <a:cs typeface="Vani" panose="020B0502040204020203" pitchFamily="34" charset="0"/>
+              </a:rPr>
+              <a:t>simArray</a:t>
+            </a:r>
+            <a:r>
+              <a:rPr lang="en-US" altLang="ko-KR" dirty="0" smtClean="0">
+                <a:latin typeface="Calibri Light" panose="020F0302020204030204" pitchFamily="34" charset="0"/>
+                <a:ea typeface="SimSun" panose="02010600030101010101" pitchFamily="2" charset="-122"/>
+                <a:cs typeface="Vani" panose="020B0502040204020203" pitchFamily="34" charset="0"/>
+              </a:rPr>
+              <a:t> &lt;- </a:t>
+            </a:r>
+            <a:r>
+              <a:rPr lang="en-US" altLang="ko-KR" dirty="0" err="1" smtClean="0">
+                <a:latin typeface="Calibri Light" panose="020F0302020204030204" pitchFamily="34" charset="0"/>
+                <a:ea typeface="SimSun" panose="02010600030101010101" pitchFamily="2" charset="-122"/>
+                <a:cs typeface="Vani" panose="020B0502040204020203" pitchFamily="34" charset="0"/>
+              </a:rPr>
+              <a:t>data.frame</a:t>
+            </a:r>
+            <a:r>
+              <a:rPr lang="en-US" altLang="ko-KR" dirty="0" smtClean="0">
+                <a:latin typeface="Calibri Light" panose="020F0302020204030204" pitchFamily="34" charset="0"/>
+                <a:ea typeface="SimSun" panose="02010600030101010101" pitchFamily="2" charset="-122"/>
+                <a:cs typeface="Vani" panose="020B0502040204020203" pitchFamily="34" charset="0"/>
+              </a:rPr>
+              <a:t>(</a:t>
+            </a:r>
+            <a:r>
+              <a:rPr lang="en-US" altLang="ko-KR" dirty="0" err="1" smtClean="0">
+                <a:latin typeface="Calibri Light" panose="020F0302020204030204" pitchFamily="34" charset="0"/>
+                <a:ea typeface="SimSun" panose="02010600030101010101" pitchFamily="2" charset="-122"/>
+                <a:cs typeface="Vani" panose="020B0502040204020203" pitchFamily="34" charset="0"/>
+              </a:rPr>
+              <a:t>conc</a:t>
+            </a:r>
+            <a:r>
+              <a:rPr lang="en-US" altLang="ko-KR" dirty="0" smtClean="0">
+                <a:latin typeface="Calibri Light" panose="020F0302020204030204" pitchFamily="34" charset="0"/>
+                <a:ea typeface="SimSun" panose="02010600030101010101" pitchFamily="2" charset="-122"/>
+                <a:cs typeface="Vani" panose="020B0502040204020203" pitchFamily="34" charset="0"/>
+              </a:rPr>
+              <a:t> = </a:t>
+            </a:r>
+            <a:r>
+              <a:rPr lang="en-US" altLang="ko-KR" dirty="0" err="1" smtClean="0">
+                <a:latin typeface="Calibri Light" panose="020F0302020204030204" pitchFamily="34" charset="0"/>
+                <a:ea typeface="SimSun" panose="02010600030101010101" pitchFamily="2" charset="-122"/>
+                <a:cs typeface="Vani" panose="020B0502040204020203" pitchFamily="34" charset="0"/>
+              </a:rPr>
+              <a:t>seq</a:t>
+            </a:r>
+            <a:r>
+              <a:rPr lang="en-US" altLang="ko-KR" dirty="0" smtClean="0">
+                <a:latin typeface="Calibri Light" panose="020F0302020204030204" pitchFamily="34" charset="0"/>
+                <a:ea typeface="SimSun" panose="02010600030101010101" pitchFamily="2" charset="-122"/>
+                <a:cs typeface="Vani" panose="020B0502040204020203" pitchFamily="34" charset="0"/>
+              </a:rPr>
+              <a:t>(</a:t>
+            </a:r>
+            <a:r>
+              <a:rPr lang="en-US" altLang="ko-KR" dirty="0" err="1" smtClean="0">
+                <a:latin typeface="Calibri Light" panose="020F0302020204030204" pitchFamily="34" charset="0"/>
+                <a:ea typeface="SimSun" panose="02010600030101010101" pitchFamily="2" charset="-122"/>
+                <a:cs typeface="Vani" panose="020B0502040204020203" pitchFamily="34" charset="0"/>
+              </a:rPr>
+              <a:t>xRange</a:t>
+            </a:r>
+            <a:r>
+              <a:rPr lang="en-US" altLang="ko-KR" dirty="0" smtClean="0">
+                <a:latin typeface="Calibri Light" panose="020F0302020204030204" pitchFamily="34" charset="0"/>
+                <a:ea typeface="SimSun" panose="02010600030101010101" pitchFamily="2" charset="-122"/>
+                <a:cs typeface="Vani" panose="020B0502040204020203" pitchFamily="34" charset="0"/>
+              </a:rPr>
+              <a:t>[1], </a:t>
+            </a:r>
+            <a:r>
+              <a:rPr lang="en-US" altLang="ko-KR" dirty="0" err="1" smtClean="0">
+                <a:latin typeface="Calibri Light" panose="020F0302020204030204" pitchFamily="34" charset="0"/>
+                <a:ea typeface="SimSun" panose="02010600030101010101" pitchFamily="2" charset="-122"/>
+                <a:cs typeface="Vani" panose="020B0502040204020203" pitchFamily="34" charset="0"/>
+              </a:rPr>
+              <a:t>xRange</a:t>
+            </a:r>
+            <a:r>
+              <a:rPr lang="en-US" altLang="ko-KR" dirty="0" smtClean="0">
+                <a:latin typeface="Calibri Light" panose="020F0302020204030204" pitchFamily="34" charset="0"/>
+                <a:ea typeface="SimSun" panose="02010600030101010101" pitchFamily="2" charset="-122"/>
+                <a:cs typeface="Vani" panose="020B0502040204020203" pitchFamily="34" charset="0"/>
+              </a:rPr>
+              <a:t>[2], </a:t>
+            </a:r>
+            <a:r>
+              <a:rPr lang="en-US" altLang="ko-KR" dirty="0" err="1" smtClean="0">
+                <a:latin typeface="Calibri Light" panose="020F0302020204030204" pitchFamily="34" charset="0"/>
+                <a:ea typeface="SimSun" panose="02010600030101010101" pitchFamily="2" charset="-122"/>
+                <a:cs typeface="Vani" panose="020B0502040204020203" pitchFamily="34" charset="0"/>
+              </a:rPr>
+              <a:t>length.out</a:t>
+            </a:r>
+            <a:r>
+              <a:rPr lang="en-US" altLang="ko-KR" dirty="0" smtClean="0">
+                <a:latin typeface="Calibri Light" panose="020F0302020204030204" pitchFamily="34" charset="0"/>
+                <a:ea typeface="SimSun" panose="02010600030101010101" pitchFamily="2" charset="-122"/>
+                <a:cs typeface="Vani" panose="020B0502040204020203" pitchFamily="34" charset="0"/>
+              </a:rPr>
+              <a:t> = 100))</a:t>
+            </a:r>
+          </a:p>
+          <a:p>
+            <a:r>
+              <a:rPr lang="en-US" altLang="ko-KR" dirty="0">
+                <a:latin typeface="Calibri Light" panose="020F0302020204030204" pitchFamily="34" charset="0"/>
+                <a:ea typeface="SimSun" panose="02010600030101010101" pitchFamily="2" charset="-122"/>
+                <a:cs typeface="Vani" panose="020B0502040204020203" pitchFamily="34" charset="0"/>
+              </a:rPr>
+              <a:t> </a:t>
+            </a:r>
+            <a:r>
+              <a:rPr lang="en-US" altLang="ko-KR" dirty="0" smtClean="0">
+                <a:latin typeface="Calibri Light" panose="020F0302020204030204" pitchFamily="34" charset="0"/>
+                <a:ea typeface="SimSun" panose="02010600030101010101" pitchFamily="2" charset="-122"/>
+                <a:cs typeface="Vani" panose="020B0502040204020203" pitchFamily="34" charset="0"/>
+              </a:rPr>
+              <a:t>           </a:t>
+            </a:r>
+            <a:r>
+              <a:rPr lang="en-US" altLang="ko-KR" dirty="0" err="1" smtClean="0">
+                <a:latin typeface="Calibri Light" panose="020F0302020204030204" pitchFamily="34" charset="0"/>
+                <a:ea typeface="SimSun" panose="02010600030101010101" pitchFamily="2" charset="-122"/>
+                <a:cs typeface="Vani" panose="020B0502040204020203" pitchFamily="34" charset="0"/>
+              </a:rPr>
+              <a:t>simArray$Time</a:t>
+            </a:r>
+            <a:r>
+              <a:rPr lang="en-US" altLang="ko-KR" dirty="0" smtClean="0">
+                <a:latin typeface="Calibri Light" panose="020F0302020204030204" pitchFamily="34" charset="0"/>
+                <a:ea typeface="SimSun" panose="02010600030101010101" pitchFamily="2" charset="-122"/>
+                <a:cs typeface="Vani" panose="020B0502040204020203" pitchFamily="34" charset="0"/>
+              </a:rPr>
+              <a:t> &lt;- predict(</a:t>
+            </a:r>
+            <a:r>
+              <a:rPr lang="en-US" altLang="ko-KR" dirty="0" err="1" smtClean="0">
+                <a:latin typeface="Calibri Light" panose="020F0302020204030204" pitchFamily="34" charset="0"/>
+                <a:ea typeface="SimSun" panose="02010600030101010101" pitchFamily="2" charset="-122"/>
+                <a:cs typeface="Vani" panose="020B0502040204020203" pitchFamily="34" charset="0"/>
+              </a:rPr>
+              <a:t>obj</a:t>
+            </a:r>
+            <a:r>
+              <a:rPr lang="en-US" altLang="ko-KR" dirty="0" smtClean="0">
+                <a:latin typeface="Calibri Light" panose="020F0302020204030204" pitchFamily="34" charset="0"/>
+                <a:ea typeface="SimSun" panose="02010600030101010101" pitchFamily="2" charset="-122"/>
+                <a:cs typeface="Vani" panose="020B0502040204020203" pitchFamily="34" charset="0"/>
+              </a:rPr>
+              <a:t>, </a:t>
+            </a:r>
+            <a:r>
+              <a:rPr lang="en-US" altLang="ko-KR" dirty="0" err="1" smtClean="0">
+                <a:latin typeface="Calibri Light" panose="020F0302020204030204" pitchFamily="34" charset="0"/>
+                <a:ea typeface="SimSun" panose="02010600030101010101" pitchFamily="2" charset="-122"/>
+                <a:cs typeface="Vani" panose="020B0502040204020203" pitchFamily="34" charset="0"/>
+              </a:rPr>
+              <a:t>newdata</a:t>
+            </a:r>
+            <a:r>
+              <a:rPr lang="en-US" altLang="ko-KR" dirty="0" smtClean="0">
+                <a:latin typeface="Calibri Light" panose="020F0302020204030204" pitchFamily="34" charset="0"/>
+                <a:ea typeface="SimSun" panose="02010600030101010101" pitchFamily="2" charset="-122"/>
+                <a:cs typeface="Vani" panose="020B0502040204020203" pitchFamily="34" charset="0"/>
+              </a:rPr>
+              <a:t> = </a:t>
+            </a:r>
+            <a:r>
+              <a:rPr lang="en-US" altLang="ko-KR" dirty="0" err="1" smtClean="0">
+                <a:latin typeface="Calibri Light" panose="020F0302020204030204" pitchFamily="34" charset="0"/>
+                <a:ea typeface="SimSun" panose="02010600030101010101" pitchFamily="2" charset="-122"/>
+                <a:cs typeface="Vani" panose="020B0502040204020203" pitchFamily="34" charset="0"/>
+              </a:rPr>
+              <a:t>simArray</a:t>
+            </a:r>
+            <a:r>
+              <a:rPr lang="en-US" altLang="ko-KR" dirty="0" smtClean="0">
+                <a:latin typeface="Calibri Light" panose="020F0302020204030204" pitchFamily="34" charset="0"/>
+                <a:ea typeface="SimSun" panose="02010600030101010101" pitchFamily="2" charset="-122"/>
+                <a:cs typeface="Vani" panose="020B0502040204020203" pitchFamily="34" charset="0"/>
+              </a:rPr>
+              <a:t>)</a:t>
+            </a:r>
+          </a:p>
+          <a:p>
+            <a:r>
+              <a:rPr lang="en-US" altLang="ko-KR" dirty="0">
+                <a:latin typeface="Calibri Light" panose="020F0302020204030204" pitchFamily="34" charset="0"/>
+                <a:ea typeface="SimSun" panose="02010600030101010101" pitchFamily="2" charset="-122"/>
+                <a:cs typeface="Vani" panose="020B0502040204020203" pitchFamily="34" charset="0"/>
+              </a:rPr>
+              <a:t> </a:t>
+            </a:r>
+            <a:r>
+              <a:rPr lang="en-US" altLang="ko-KR" dirty="0" smtClean="0">
+                <a:latin typeface="Calibri Light" panose="020F0302020204030204" pitchFamily="34" charset="0"/>
+                <a:ea typeface="SimSun" panose="02010600030101010101" pitchFamily="2" charset="-122"/>
+                <a:cs typeface="Vani" panose="020B0502040204020203" pitchFamily="34" charset="0"/>
+              </a:rPr>
+              <a:t>           return(</a:t>
+            </a:r>
+            <a:r>
+              <a:rPr lang="en-US" altLang="ko-KR" dirty="0" err="1" smtClean="0">
+                <a:latin typeface="Calibri Light" panose="020F0302020204030204" pitchFamily="34" charset="0"/>
+                <a:ea typeface="SimSun" panose="02010600030101010101" pitchFamily="2" charset="-122"/>
+                <a:cs typeface="Vani" panose="020B0502040204020203" pitchFamily="34" charset="0"/>
+              </a:rPr>
+              <a:t>simArray</a:t>
+            </a:r>
+            <a:r>
+              <a:rPr lang="en-US" altLang="ko-KR" dirty="0" smtClean="0">
+                <a:latin typeface="Calibri Light" panose="020F0302020204030204" pitchFamily="34" charset="0"/>
+                <a:ea typeface="SimSun" panose="02010600030101010101" pitchFamily="2" charset="-122"/>
+                <a:cs typeface="Vani" panose="020B0502040204020203" pitchFamily="34" charset="0"/>
+              </a:rPr>
+              <a:t>)</a:t>
+            </a:r>
+          </a:p>
+          <a:p>
+            <a:r>
+              <a:rPr lang="en-US" altLang="ko-KR" dirty="0">
+                <a:latin typeface="Calibri Light" panose="020F0302020204030204" pitchFamily="34" charset="0"/>
+                <a:ea typeface="SimSun" panose="02010600030101010101" pitchFamily="2" charset="-122"/>
+                <a:cs typeface="Vani" panose="020B0502040204020203" pitchFamily="34" charset="0"/>
+              </a:rPr>
+              <a:t> </a:t>
+            </a:r>
+            <a:r>
+              <a:rPr lang="en-US" altLang="ko-KR" dirty="0" smtClean="0">
+                <a:latin typeface="Calibri Light" panose="020F0302020204030204" pitchFamily="34" charset="0"/>
+                <a:ea typeface="SimSun" panose="02010600030101010101" pitchFamily="2" charset="-122"/>
+                <a:cs typeface="Vani" panose="020B0502040204020203" pitchFamily="34" charset="0"/>
+              </a:rPr>
+              <a:t>      })</a:t>
+            </a:r>
+          </a:p>
+          <a:p>
+            <a:r>
+              <a:rPr lang="en-US" altLang="ko-KR" dirty="0">
+                <a:latin typeface="Calibri Light" panose="020F0302020204030204" pitchFamily="34" charset="0"/>
+                <a:ea typeface="SimSun" panose="02010600030101010101" pitchFamily="2" charset="-122"/>
+                <a:cs typeface="Vani" panose="020B0502040204020203" pitchFamily="34" charset="0"/>
+              </a:rPr>
+              <a:t> </a:t>
+            </a:r>
+            <a:r>
+              <a:rPr lang="en-US" altLang="ko-KR" dirty="0" smtClean="0">
+                <a:latin typeface="Calibri Light" panose="020F0302020204030204" pitchFamily="34" charset="0"/>
+                <a:ea typeface="SimSun" panose="02010600030101010101" pitchFamily="2" charset="-122"/>
+                <a:cs typeface="Vani" panose="020B0502040204020203" pitchFamily="34" charset="0"/>
+              </a:rPr>
+              <a:t>      lines(</a:t>
+            </a:r>
+            <a:r>
+              <a:rPr lang="en-US" altLang="ko-KR" dirty="0" err="1" smtClean="0">
+                <a:latin typeface="Calibri Light" panose="020F0302020204030204" pitchFamily="34" charset="0"/>
+                <a:ea typeface="SimSun" panose="02010600030101010101" pitchFamily="2" charset="-122"/>
+                <a:cs typeface="Vani" panose="020B0502040204020203" pitchFamily="34" charset="0"/>
+              </a:rPr>
+              <a:t>loessArray</a:t>
+            </a:r>
+            <a:r>
+              <a:rPr lang="en-US" altLang="ko-KR" dirty="0" smtClean="0">
+                <a:latin typeface="Calibri Light" panose="020F0302020204030204" pitchFamily="34" charset="0"/>
+                <a:ea typeface="SimSun" panose="02010600030101010101" pitchFamily="2" charset="-122"/>
+                <a:cs typeface="Vani" panose="020B0502040204020203" pitchFamily="34" charset="0"/>
+              </a:rPr>
+              <a:t>, Time, </a:t>
+            </a:r>
+            <a:r>
+              <a:rPr lang="en-US" altLang="ko-KR" dirty="0" err="1" smtClean="0">
+                <a:latin typeface="Calibri Light" panose="020F0302020204030204" pitchFamily="34" charset="0"/>
+                <a:ea typeface="SimSun" panose="02010600030101010101" pitchFamily="2" charset="-122"/>
+                <a:cs typeface="Vani" panose="020B0502040204020203" pitchFamily="34" charset="0"/>
+              </a:rPr>
+              <a:t>conc</a:t>
+            </a:r>
+            <a:r>
+              <a:rPr lang="en-US" altLang="ko-KR" dirty="0" smtClean="0">
+                <a:latin typeface="Calibri Light" panose="020F0302020204030204" pitchFamily="34" charset="0"/>
+                <a:ea typeface="SimSun" panose="02010600030101010101" pitchFamily="2" charset="-122"/>
+                <a:cs typeface="Vani" panose="020B0502040204020203" pitchFamily="34" charset="0"/>
+              </a:rPr>
+              <a:t>)</a:t>
+            </a:r>
+          </a:p>
+          <a:p>
+            <a:r>
+              <a:rPr lang="en-US" altLang="ko-KR" dirty="0">
+                <a:latin typeface="Calibri Light" panose="020F0302020204030204" pitchFamily="34" charset="0"/>
+                <a:ea typeface="SimSun" panose="02010600030101010101" pitchFamily="2" charset="-122"/>
+                <a:cs typeface="Vani" panose="020B0502040204020203" pitchFamily="34" charset="0"/>
+              </a:rPr>
+              <a:t> </a:t>
+            </a:r>
+            <a:r>
+              <a:rPr lang="en-US" altLang="ko-KR" dirty="0" smtClean="0">
+                <a:latin typeface="Calibri Light" panose="020F0302020204030204" pitchFamily="34" charset="0"/>
+                <a:ea typeface="SimSun" panose="02010600030101010101" pitchFamily="2" charset="-122"/>
+                <a:cs typeface="Vani" panose="020B0502040204020203" pitchFamily="34" charset="0"/>
+              </a:rPr>
+              <a:t>      </a:t>
+            </a:r>
+            <a:r>
+              <a:rPr lang="en-US" altLang="ko-KR" dirty="0" err="1" smtClean="0">
+                <a:latin typeface="Calibri Light" panose="020F0302020204030204" pitchFamily="34" charset="0"/>
+                <a:ea typeface="SimSun" panose="02010600030101010101" pitchFamily="2" charset="-122"/>
+                <a:cs typeface="Vani" panose="020B0502040204020203" pitchFamily="34" charset="0"/>
+              </a:rPr>
+              <a:t>hist</a:t>
+            </a:r>
+            <a:r>
+              <a:rPr lang="en-US" altLang="ko-KR" dirty="0" smtClean="0">
+                <a:latin typeface="Calibri Light" panose="020F0302020204030204" pitchFamily="34" charset="0"/>
+                <a:ea typeface="SimSun" panose="02010600030101010101" pitchFamily="2" charset="-122"/>
+                <a:cs typeface="Vani" panose="020B0502040204020203" pitchFamily="34" charset="0"/>
+              </a:rPr>
+              <a:t>(Time, </a:t>
+            </a:r>
+            <a:r>
+              <a:rPr lang="en-US" altLang="ko-KR" dirty="0" err="1" smtClean="0">
+                <a:latin typeface="Calibri Light" panose="020F0302020204030204" pitchFamily="34" charset="0"/>
+                <a:ea typeface="SimSun" panose="02010600030101010101" pitchFamily="2" charset="-122"/>
+                <a:cs typeface="Vani" panose="020B0502040204020203" pitchFamily="34" charset="0"/>
+              </a:rPr>
+              <a:t>Theoph</a:t>
+            </a:r>
+            <a:r>
+              <a:rPr lang="en-US" altLang="ko-KR" dirty="0" smtClean="0">
+                <a:latin typeface="Calibri Light" panose="020F0302020204030204" pitchFamily="34" charset="0"/>
+                <a:ea typeface="SimSun" panose="02010600030101010101" pitchFamily="2" charset="-122"/>
+                <a:cs typeface="Vani" panose="020B0502040204020203" pitchFamily="34" charset="0"/>
+              </a:rPr>
+              <a:t>)</a:t>
+            </a:r>
+          </a:p>
+          <a:p>
+            <a:r>
+              <a:rPr lang="en-US" altLang="ko-KR" dirty="0" smtClean="0">
+                <a:latin typeface="Calibri Light" panose="020F0302020204030204" pitchFamily="34" charset="0"/>
+                <a:ea typeface="SimSun" panose="02010600030101010101" pitchFamily="2" charset="-122"/>
+                <a:cs typeface="Vani" panose="020B0502040204020203" pitchFamily="34" charset="0"/>
+              </a:rPr>
+              <a:t>}, </a:t>
+            </a:r>
+            <a:r>
+              <a:rPr lang="en-US" altLang="ko-KR" dirty="0" err="1" smtClean="0">
+                <a:latin typeface="Calibri Light" panose="020F0302020204030204" pitchFamily="34" charset="0"/>
+                <a:ea typeface="SimSun" panose="02010600030101010101" pitchFamily="2" charset="-122"/>
+                <a:cs typeface="Vani" panose="020B0502040204020203" pitchFamily="34" charset="0"/>
+              </a:rPr>
+              <a:t>Theoph</a:t>
+            </a:r>
+            <a:r>
+              <a:rPr lang="en-US" altLang="ko-KR" dirty="0" smtClean="0">
+                <a:latin typeface="Calibri Light" panose="020F0302020204030204" pitchFamily="34" charset="0"/>
+                <a:ea typeface="SimSun" panose="02010600030101010101" pitchFamily="2" charset="-122"/>
+                <a:cs typeface="Vani" panose="020B0502040204020203" pitchFamily="34" charset="0"/>
+              </a:rPr>
+              <a:t>)</a:t>
+            </a:r>
+          </a:p>
+        </p:txBody>
+      </p:sp>
+    </p:spTree>
+    <p:extLst>
+      <p:ext uri="{BB962C8B-B14F-4D97-AF65-F5344CB8AC3E}">
+        <p14:creationId xmlns:p14="http://schemas.microsoft.com/office/powerpoint/2010/main" val="2531247001"/>
+      </p:ext>
+    </p:extLst>
+  </p:cSld>
+  <p:clrMapOvr>
+    <a:masterClrMapping/>
+  </p:clrMapOvr>
+  <p:timing>
+    <p:tnLst>
+      <p:par>
+        <p:cTn id="1" dur="indefinite" restart="never" nodeType="tmRoot"/>
+      </p:par>
+    </p:tnLst>
+  </p:timing>
+</p:sld>
+</file>
+
+<file path=ppt/slides/slide17.xml><?xml version="1.0" encoding="utf-8"?>
+<p:sld xmlns:a="http://schemas.openxmlformats.org/drawingml/2006/main" xmlns:r="http://schemas.openxmlformats.org/officeDocument/2006/relationships" xmlns:p="http://schemas.openxmlformats.org/presentationml/2006/main">
+  <p:cSld>
+    <p:spTree>
+      <p:nvGrpSpPr>
+        <p:cNvPr id="1" name=""/>
+        <p:cNvGrpSpPr/>
+        <p:nvPr/>
+      </p:nvGrpSpPr>
+      <p:grpSpPr>
+        <a:xfrm>
+          <a:off x="0" y="0"/>
+          <a:ext cx="0" cy="0"/>
+          <a:chOff x="0" y="0"/>
+          <a:chExt cx="0" cy="0"/>
+        </a:xfrm>
+      </p:grpSpPr>
+      <p:sp>
+        <p:nvSpPr>
+          <p:cNvPr id="4" name="TextBox 3"/>
+          <p:cNvSpPr txBox="1"/>
+          <p:nvPr/>
+        </p:nvSpPr>
+        <p:spPr>
+          <a:xfrm>
+            <a:off x="306893" y="510208"/>
+            <a:ext cx="6358023" cy="6186309"/>
+          </a:xfrm>
+          <a:prstGeom prst="rect">
+            <a:avLst/>
+          </a:prstGeom>
+          <a:noFill/>
+        </p:spPr>
+        <p:txBody>
+          <a:bodyPr wrap="none" rtlCol="0">
+            <a:spAutoFit/>
+          </a:bodyPr>
+          <a:lstStyle/>
+          <a:p>
+            <a:r>
+              <a:rPr lang="en-US" altLang="ko-KR" dirty="0">
+                <a:solidFill>
+                  <a:srgbClr val="00CC66"/>
+                </a:solidFill>
+                <a:latin typeface="Calibri Light" panose="020F0302020204030204" pitchFamily="34" charset="0"/>
+              </a:rPr>
+              <a:t>&lt;script&gt; </a:t>
+            </a:r>
+            <a:r>
+              <a:rPr lang="en-US" altLang="ko-KR" b="1" dirty="0" err="1">
+                <a:solidFill>
+                  <a:srgbClr val="BF11AA"/>
+                </a:solidFill>
+                <a:latin typeface="Calibri Light" panose="020F0302020204030204" pitchFamily="34" charset="0"/>
+              </a:rPr>
+              <a:t>var</a:t>
+            </a:r>
+            <a:r>
+              <a:rPr lang="en-US" altLang="ko-KR" dirty="0">
+                <a:latin typeface="Calibri Light" panose="020F0302020204030204" pitchFamily="34" charset="0"/>
+              </a:rPr>
+              <a:t> </a:t>
+            </a:r>
+            <a:r>
+              <a:rPr lang="en-US" altLang="ko-KR" dirty="0" err="1">
+                <a:latin typeface="Calibri Light" panose="020F0302020204030204" pitchFamily="34" charset="0"/>
+              </a:rPr>
+              <a:t>Theoph</a:t>
+            </a:r>
+            <a:r>
+              <a:rPr lang="en-US" altLang="ko-KR" dirty="0">
+                <a:latin typeface="Calibri Light" panose="020F0302020204030204" pitchFamily="34" charset="0"/>
+              </a:rPr>
+              <a:t> = </a:t>
+            </a:r>
+            <a:r>
+              <a:rPr lang="en-US" altLang="ko-KR" dirty="0" err="1">
+                <a:latin typeface="Calibri Light" panose="020F0302020204030204" pitchFamily="34" charset="0"/>
+              </a:rPr>
+              <a:t>createMainStructureE</a:t>
+            </a:r>
+            <a:r>
+              <a:rPr lang="en-US" altLang="ko-KR" dirty="0">
+                <a:latin typeface="Calibri Light" panose="020F0302020204030204" pitchFamily="34" charset="0"/>
+              </a:rPr>
+              <a:t>(rawArr1);</a:t>
+            </a:r>
+            <a:r>
+              <a:rPr lang="en-US" altLang="ko-KR" dirty="0">
+                <a:solidFill>
+                  <a:srgbClr val="00CC66"/>
+                </a:solidFill>
+                <a:latin typeface="Calibri Light" panose="020F0302020204030204" pitchFamily="34" charset="0"/>
+              </a:rPr>
+              <a:t>&lt;/script&gt;</a:t>
+            </a:r>
+          </a:p>
+          <a:p>
+            <a:r>
+              <a:rPr lang="en-US" altLang="ko-KR" dirty="0" smtClean="0">
+                <a:solidFill>
+                  <a:srgbClr val="00CC66"/>
+                </a:solidFill>
+                <a:latin typeface="Calibri Light" panose="020F0302020204030204" pitchFamily="34" charset="0"/>
+              </a:rPr>
+              <a:t>&lt;</a:t>
+            </a:r>
+            <a:r>
+              <a:rPr lang="en-US" altLang="ko-KR" dirty="0">
+                <a:solidFill>
+                  <a:srgbClr val="00CC66"/>
+                </a:solidFill>
+                <a:latin typeface="Calibri Light" panose="020F0302020204030204" pitchFamily="34" charset="0"/>
+              </a:rPr>
+              <a:t>script&gt;</a:t>
+            </a:r>
+          </a:p>
+          <a:p>
+            <a:r>
+              <a:rPr lang="en-US" altLang="ko-KR" b="1" dirty="0" err="1" smtClean="0">
+                <a:solidFill>
+                  <a:srgbClr val="BF11AA"/>
+                </a:solidFill>
+                <a:latin typeface="Calibri Light" panose="020F0302020204030204" pitchFamily="34" charset="0"/>
+              </a:rPr>
+              <a:t>var</a:t>
+            </a:r>
+            <a:r>
+              <a:rPr lang="en-US" altLang="ko-KR" dirty="0" smtClean="0">
+                <a:latin typeface="Calibri Light" panose="020F0302020204030204" pitchFamily="34" charset="0"/>
+              </a:rPr>
+              <a:t> </a:t>
+            </a:r>
+            <a:r>
+              <a:rPr lang="en-US" altLang="ko-KR" dirty="0">
+                <a:latin typeface="Calibri Light" panose="020F0302020204030204" pitchFamily="34" charset="0"/>
+              </a:rPr>
+              <a:t>axis1 = </a:t>
+            </a:r>
+            <a:r>
+              <a:rPr lang="en-US" altLang="ko-KR" b="1" dirty="0">
+                <a:solidFill>
+                  <a:srgbClr val="BF11AA"/>
+                </a:solidFill>
+                <a:latin typeface="Calibri Light" panose="020F0302020204030204" pitchFamily="34" charset="0"/>
+              </a:rPr>
+              <a:t>new</a:t>
+            </a:r>
+            <a:r>
+              <a:rPr lang="en-US" altLang="ko-KR" dirty="0">
+                <a:latin typeface="Calibri Light" panose="020F0302020204030204" pitchFamily="34" charset="0"/>
+              </a:rPr>
+              <a:t> Axis(1, </a:t>
+            </a:r>
+            <a:r>
+              <a:rPr lang="en-US" altLang="ko-KR" dirty="0" err="1">
+                <a:latin typeface="Calibri Light" panose="020F0302020204030204" pitchFamily="34" charset="0"/>
+              </a:rPr>
+              <a:t>Theoph</a:t>
+            </a:r>
+            <a:r>
+              <a:rPr lang="en-US" altLang="ko-KR" dirty="0">
+                <a:latin typeface="Calibri Light" panose="020F0302020204030204" pitchFamily="34" charset="0"/>
+              </a:rPr>
+              <a:t>, </a:t>
+            </a:r>
+            <a:r>
+              <a:rPr lang="en-US" altLang="ko-KR" dirty="0">
+                <a:solidFill>
+                  <a:srgbClr val="0000FF"/>
+                </a:solidFill>
+                <a:latin typeface="Calibri Light" panose="020F0302020204030204" pitchFamily="34" charset="0"/>
+              </a:rPr>
+              <a:t>'Time'</a:t>
+            </a:r>
+            <a:r>
+              <a:rPr lang="en-US" altLang="ko-KR" dirty="0">
+                <a:latin typeface="Calibri Light" panose="020F0302020204030204" pitchFamily="34" charset="0"/>
+              </a:rPr>
+              <a:t>, </a:t>
+            </a:r>
+            <a:r>
+              <a:rPr lang="en-US" altLang="ko-KR" dirty="0">
+                <a:solidFill>
+                  <a:srgbClr val="0000FF"/>
+                </a:solidFill>
+                <a:latin typeface="Calibri Light" panose="020F0302020204030204" pitchFamily="34" charset="0"/>
+              </a:rPr>
+              <a:t>'</a:t>
+            </a:r>
+            <a:r>
+              <a:rPr lang="en-US" altLang="ko-KR" dirty="0" err="1">
+                <a:solidFill>
+                  <a:srgbClr val="0000FF"/>
+                </a:solidFill>
+                <a:latin typeface="Calibri Light" panose="020F0302020204030204" pitchFamily="34" charset="0"/>
+              </a:rPr>
+              <a:t>conc</a:t>
+            </a:r>
+            <a:r>
+              <a:rPr lang="en-US" altLang="ko-KR" dirty="0">
+                <a:solidFill>
+                  <a:srgbClr val="0000FF"/>
+                </a:solidFill>
+                <a:latin typeface="Calibri Light" panose="020F0302020204030204" pitchFamily="34" charset="0"/>
+              </a:rPr>
+              <a:t>'</a:t>
+            </a:r>
+            <a:r>
+              <a:rPr lang="en-US" altLang="ko-KR" dirty="0">
+                <a:latin typeface="Calibri Light" panose="020F0302020204030204" pitchFamily="34" charset="0"/>
+              </a:rPr>
+              <a:t>, {legend: </a:t>
+            </a:r>
+            <a:r>
+              <a:rPr lang="en-US" altLang="ko-KR" dirty="0">
+                <a:solidFill>
+                  <a:srgbClr val="0000FF"/>
+                </a:solidFill>
+                <a:latin typeface="Calibri Light" panose="020F0302020204030204" pitchFamily="34" charset="0"/>
+              </a:rPr>
+              <a:t>'Subject'</a:t>
+            </a:r>
+            <a:r>
+              <a:rPr lang="en-US" altLang="ko-KR" dirty="0">
+                <a:latin typeface="Calibri Light" panose="020F0302020204030204" pitchFamily="34" charset="0"/>
+              </a:rPr>
+              <a:t>});</a:t>
+            </a:r>
+          </a:p>
+          <a:p>
+            <a:r>
+              <a:rPr lang="en-US" altLang="ko-KR" b="1" dirty="0" err="1" smtClean="0">
+                <a:solidFill>
+                  <a:srgbClr val="BF11AA"/>
+                </a:solidFill>
+                <a:latin typeface="Calibri Light" panose="020F0302020204030204" pitchFamily="34" charset="0"/>
+              </a:rPr>
+              <a:t>var</a:t>
+            </a:r>
+            <a:r>
+              <a:rPr lang="en-US" altLang="ko-KR" dirty="0" smtClean="0">
+                <a:latin typeface="Calibri Light" panose="020F0302020204030204" pitchFamily="34" charset="0"/>
+              </a:rPr>
+              <a:t> </a:t>
+            </a:r>
+            <a:r>
+              <a:rPr lang="en-US" altLang="ko-KR" dirty="0">
+                <a:latin typeface="Calibri Light" panose="020F0302020204030204" pitchFamily="34" charset="0"/>
+              </a:rPr>
+              <a:t>point1 = </a:t>
+            </a:r>
+            <a:r>
+              <a:rPr lang="en-US" altLang="ko-KR" b="1" dirty="0">
+                <a:solidFill>
+                  <a:srgbClr val="BF11AA"/>
+                </a:solidFill>
+                <a:latin typeface="Calibri Light" panose="020F0302020204030204" pitchFamily="34" charset="0"/>
+              </a:rPr>
+              <a:t>new</a:t>
+            </a:r>
+            <a:r>
+              <a:rPr lang="en-US" altLang="ko-KR" dirty="0">
+                <a:latin typeface="Calibri Light" panose="020F0302020204030204" pitchFamily="34" charset="0"/>
+              </a:rPr>
+              <a:t> Dot(axis1, </a:t>
+            </a:r>
+            <a:r>
+              <a:rPr lang="en-US" altLang="ko-KR" dirty="0" err="1">
+                <a:latin typeface="Calibri Light" panose="020F0302020204030204" pitchFamily="34" charset="0"/>
+              </a:rPr>
+              <a:t>Theoph</a:t>
+            </a:r>
+            <a:r>
+              <a:rPr lang="en-US" altLang="ko-KR" dirty="0">
+                <a:latin typeface="Calibri Light" panose="020F0302020204030204" pitchFamily="34" charset="0"/>
+              </a:rPr>
+              <a:t>, </a:t>
+            </a:r>
+            <a:r>
+              <a:rPr lang="en-US" altLang="ko-KR" dirty="0">
+                <a:solidFill>
+                  <a:srgbClr val="0000FF"/>
+                </a:solidFill>
+                <a:latin typeface="Calibri Light" panose="020F0302020204030204" pitchFamily="34" charset="0"/>
+              </a:rPr>
+              <a:t>'Time'</a:t>
+            </a:r>
+            <a:r>
+              <a:rPr lang="en-US" altLang="ko-KR" dirty="0">
+                <a:latin typeface="Calibri Light" panose="020F0302020204030204" pitchFamily="34" charset="0"/>
+              </a:rPr>
+              <a:t>, </a:t>
+            </a:r>
+            <a:r>
+              <a:rPr lang="en-US" altLang="ko-KR" dirty="0">
+                <a:solidFill>
+                  <a:srgbClr val="0000FF"/>
+                </a:solidFill>
+                <a:latin typeface="Calibri Light" panose="020F0302020204030204" pitchFamily="34" charset="0"/>
+              </a:rPr>
+              <a:t>'</a:t>
+            </a:r>
+            <a:r>
+              <a:rPr lang="en-US" altLang="ko-KR" dirty="0" err="1">
+                <a:solidFill>
+                  <a:srgbClr val="0000FF"/>
+                </a:solidFill>
+                <a:latin typeface="Calibri Light" panose="020F0302020204030204" pitchFamily="34" charset="0"/>
+              </a:rPr>
+              <a:t>conc</a:t>
+            </a:r>
+            <a:r>
+              <a:rPr lang="en-US" altLang="ko-KR" dirty="0">
+                <a:solidFill>
+                  <a:srgbClr val="0000FF"/>
+                </a:solidFill>
+                <a:latin typeface="Calibri Light" panose="020F0302020204030204" pitchFamily="34" charset="0"/>
+              </a:rPr>
+              <a:t>'</a:t>
+            </a:r>
+            <a:r>
+              <a:rPr lang="en-US" altLang="ko-KR" dirty="0">
+                <a:latin typeface="Calibri Light" panose="020F0302020204030204" pitchFamily="34" charset="0"/>
+              </a:rPr>
+              <a:t>, {});</a:t>
+            </a:r>
+          </a:p>
+          <a:p>
+            <a:r>
+              <a:rPr lang="en-US" altLang="ko-KR" b="1" dirty="0" err="1" smtClean="0">
+                <a:solidFill>
+                  <a:srgbClr val="BF11AA"/>
+                </a:solidFill>
+                <a:latin typeface="Calibri Light" panose="020F0302020204030204" pitchFamily="34" charset="0"/>
+              </a:rPr>
+              <a:t>var</a:t>
+            </a:r>
+            <a:r>
+              <a:rPr lang="en-US" altLang="ko-KR" dirty="0" smtClean="0">
+                <a:latin typeface="Calibri Light" panose="020F0302020204030204" pitchFamily="34" charset="0"/>
+              </a:rPr>
+              <a:t> </a:t>
+            </a:r>
+            <a:r>
+              <a:rPr lang="en-US" altLang="ko-KR" dirty="0">
+                <a:latin typeface="Calibri Light" panose="020F0302020204030204" pitchFamily="34" charset="0"/>
+              </a:rPr>
+              <a:t>histObj1 = </a:t>
+            </a:r>
+            <a:r>
+              <a:rPr lang="en-US" altLang="ko-KR" b="1" dirty="0">
+                <a:solidFill>
+                  <a:srgbClr val="BF11AA"/>
+                </a:solidFill>
+                <a:latin typeface="Calibri Light" panose="020F0302020204030204" pitchFamily="34" charset="0"/>
+              </a:rPr>
+              <a:t>new</a:t>
+            </a:r>
+            <a:r>
+              <a:rPr lang="en-US" altLang="ko-KR" dirty="0">
+                <a:latin typeface="Calibri Light" panose="020F0302020204030204" pitchFamily="34" charset="0"/>
+              </a:rPr>
+              <a:t> </a:t>
+            </a:r>
+            <a:r>
+              <a:rPr lang="en-US" altLang="ko-KR" dirty="0" err="1">
+                <a:latin typeface="Calibri Light" panose="020F0302020204030204" pitchFamily="34" charset="0"/>
+              </a:rPr>
+              <a:t>ddply</a:t>
+            </a:r>
+            <a:r>
+              <a:rPr lang="en-US" altLang="ko-KR" dirty="0">
+                <a:latin typeface="Calibri Light" panose="020F0302020204030204" pitchFamily="34" charset="0"/>
+              </a:rPr>
+              <a:t>(</a:t>
+            </a:r>
+            <a:r>
+              <a:rPr lang="en-US" altLang="ko-KR" dirty="0" err="1">
+                <a:latin typeface="Calibri Light" panose="020F0302020204030204" pitchFamily="34" charset="0"/>
+              </a:rPr>
+              <a:t>Theoph</a:t>
+            </a:r>
+            <a:r>
+              <a:rPr lang="en-US" altLang="ko-KR" dirty="0">
+                <a:latin typeface="Calibri Light" panose="020F0302020204030204" pitchFamily="34" charset="0"/>
+              </a:rPr>
+              <a:t>, [</a:t>
+            </a:r>
+            <a:r>
+              <a:rPr lang="en-US" altLang="ko-KR" dirty="0">
+                <a:solidFill>
+                  <a:srgbClr val="0000FF"/>
+                </a:solidFill>
+                <a:latin typeface="Calibri Light" panose="020F0302020204030204" pitchFamily="34" charset="0"/>
+              </a:rPr>
+              <a:t>'Time'</a:t>
+            </a:r>
+            <a:r>
+              <a:rPr lang="en-US" altLang="ko-KR" dirty="0">
+                <a:latin typeface="Calibri Light" panose="020F0302020204030204" pitchFamily="34" charset="0"/>
+              </a:rPr>
+              <a:t>], {});</a:t>
+            </a:r>
+          </a:p>
+          <a:p>
+            <a:r>
+              <a:rPr lang="en-US" altLang="ko-KR" b="1" dirty="0" err="1" smtClean="0">
+                <a:solidFill>
+                  <a:srgbClr val="BF11AA"/>
+                </a:solidFill>
+                <a:latin typeface="Calibri Light" panose="020F0302020204030204" pitchFamily="34" charset="0"/>
+              </a:rPr>
+              <a:t>var</a:t>
+            </a:r>
+            <a:r>
+              <a:rPr lang="en-US" altLang="ko-KR" dirty="0" smtClean="0">
+                <a:latin typeface="Calibri Light" panose="020F0302020204030204" pitchFamily="34" charset="0"/>
+              </a:rPr>
+              <a:t> </a:t>
+            </a:r>
+            <a:r>
+              <a:rPr lang="en-US" altLang="ko-KR" dirty="0">
+                <a:latin typeface="Calibri Light" panose="020F0302020204030204" pitchFamily="34" charset="0"/>
+              </a:rPr>
+              <a:t>axis2 = </a:t>
+            </a:r>
+            <a:r>
+              <a:rPr lang="en-US" altLang="ko-KR" b="1" dirty="0">
+                <a:solidFill>
+                  <a:srgbClr val="BF11AA"/>
+                </a:solidFill>
+                <a:latin typeface="Calibri Light" panose="020F0302020204030204" pitchFamily="34" charset="0"/>
+              </a:rPr>
+              <a:t>new</a:t>
+            </a:r>
+            <a:r>
+              <a:rPr lang="en-US" altLang="ko-KR" dirty="0">
+                <a:latin typeface="Calibri Light" panose="020F0302020204030204" pitchFamily="34" charset="0"/>
+              </a:rPr>
+              <a:t> Axis(2, histObj1, </a:t>
+            </a:r>
+            <a:r>
+              <a:rPr lang="en-US" altLang="ko-KR" dirty="0">
+                <a:solidFill>
+                  <a:srgbClr val="0000FF"/>
+                </a:solidFill>
+                <a:latin typeface="Calibri Light" panose="020F0302020204030204" pitchFamily="34" charset="0"/>
+              </a:rPr>
+              <a:t>'Time</a:t>
+            </a:r>
+            <a:r>
+              <a:rPr lang="en-US" altLang="ko-KR" dirty="0" smtClean="0">
+                <a:solidFill>
+                  <a:srgbClr val="0000FF"/>
+                </a:solidFill>
+                <a:latin typeface="Calibri Light" panose="020F0302020204030204" pitchFamily="34" charset="0"/>
+              </a:rPr>
+              <a:t>'</a:t>
+            </a:r>
+            <a:r>
+              <a:rPr lang="en-US" altLang="ko-KR" dirty="0" smtClean="0">
+                <a:latin typeface="Calibri Light" panose="020F0302020204030204" pitchFamily="34" charset="0"/>
+              </a:rPr>
+              <a:t>, </a:t>
+            </a:r>
+            <a:r>
+              <a:rPr lang="en-US" altLang="ko-KR" dirty="0" smtClean="0">
+                <a:solidFill>
+                  <a:srgbClr val="0000FF"/>
+                </a:solidFill>
+                <a:latin typeface="Calibri Light" panose="020F0302020204030204" pitchFamily="34" charset="0"/>
+              </a:rPr>
+              <a:t>'frequency'</a:t>
+            </a:r>
+            <a:r>
+              <a:rPr lang="en-US" altLang="ko-KR" dirty="0" smtClean="0">
+                <a:latin typeface="Calibri Light" panose="020F0302020204030204" pitchFamily="34" charset="0"/>
+              </a:rPr>
+              <a:t>, </a:t>
+            </a:r>
+            <a:r>
+              <a:rPr lang="en-US" altLang="ko-KR" dirty="0">
+                <a:latin typeface="Calibri Light" panose="020F0302020204030204" pitchFamily="34" charset="0"/>
+              </a:rPr>
+              <a:t>{});</a:t>
+            </a:r>
+          </a:p>
+          <a:p>
+            <a:r>
+              <a:rPr lang="en-US" altLang="ko-KR" b="1" dirty="0" err="1" smtClean="0">
+                <a:solidFill>
+                  <a:srgbClr val="BF11AA"/>
+                </a:solidFill>
+                <a:latin typeface="Calibri Light" panose="020F0302020204030204" pitchFamily="34" charset="0"/>
+              </a:rPr>
+              <a:t>var</a:t>
+            </a:r>
+            <a:r>
+              <a:rPr lang="en-US" altLang="ko-KR" dirty="0" smtClean="0">
+                <a:latin typeface="Calibri Light" panose="020F0302020204030204" pitchFamily="34" charset="0"/>
+              </a:rPr>
+              <a:t> </a:t>
+            </a:r>
+            <a:r>
+              <a:rPr lang="en-US" altLang="ko-KR" dirty="0">
+                <a:latin typeface="Calibri Light" panose="020F0302020204030204" pitchFamily="34" charset="0"/>
+              </a:rPr>
+              <a:t>hist1 = </a:t>
+            </a:r>
+            <a:r>
+              <a:rPr lang="en-US" altLang="ko-KR" b="1" dirty="0">
+                <a:solidFill>
+                  <a:srgbClr val="BF11AA"/>
+                </a:solidFill>
+                <a:latin typeface="Calibri Light" panose="020F0302020204030204" pitchFamily="34" charset="0"/>
+              </a:rPr>
+              <a:t>new</a:t>
+            </a:r>
+            <a:r>
+              <a:rPr lang="en-US" altLang="ko-KR" dirty="0">
+                <a:latin typeface="Calibri Light" panose="020F0302020204030204" pitchFamily="34" charset="0"/>
+              </a:rPr>
+              <a:t> Bar(axis2, histObj1, </a:t>
+            </a:r>
+            <a:r>
+              <a:rPr lang="en-US" altLang="ko-KR" dirty="0">
+                <a:solidFill>
+                  <a:srgbClr val="0000FF"/>
+                </a:solidFill>
+                <a:latin typeface="Calibri Light" panose="020F0302020204030204" pitchFamily="34" charset="0"/>
+              </a:rPr>
+              <a:t>'Time</a:t>
+            </a:r>
+            <a:r>
+              <a:rPr lang="en-US" altLang="ko-KR" dirty="0" smtClean="0">
+                <a:solidFill>
+                  <a:srgbClr val="0000FF"/>
+                </a:solidFill>
+                <a:latin typeface="Calibri Light" panose="020F0302020204030204" pitchFamily="34" charset="0"/>
+              </a:rPr>
+              <a:t>'</a:t>
+            </a:r>
+            <a:r>
+              <a:rPr lang="en-US" altLang="ko-KR" dirty="0" smtClean="0">
+                <a:latin typeface="Calibri Light" panose="020F0302020204030204" pitchFamily="34" charset="0"/>
+              </a:rPr>
+              <a:t>, </a:t>
+            </a:r>
+            <a:r>
+              <a:rPr lang="en-US" altLang="ko-KR" dirty="0">
+                <a:solidFill>
+                  <a:srgbClr val="0000FF"/>
+                </a:solidFill>
+                <a:latin typeface="Calibri Light" panose="020F0302020204030204" pitchFamily="34" charset="0"/>
+              </a:rPr>
+              <a:t>'frequency'</a:t>
+            </a:r>
+            <a:r>
+              <a:rPr lang="en-US" altLang="ko-KR" dirty="0">
+                <a:latin typeface="Calibri Light" panose="020F0302020204030204" pitchFamily="34" charset="0"/>
+              </a:rPr>
+              <a:t>, </a:t>
+            </a:r>
+            <a:r>
+              <a:rPr lang="en-US" altLang="ko-KR" dirty="0" smtClean="0">
+                <a:latin typeface="Calibri Light" panose="020F0302020204030204" pitchFamily="34" charset="0"/>
+              </a:rPr>
+              <a:t>{});</a:t>
+            </a:r>
+            <a:endParaRPr lang="en-US" altLang="ko-KR" dirty="0">
+              <a:latin typeface="Calibri Light" panose="020F0302020204030204" pitchFamily="34" charset="0"/>
+            </a:endParaRPr>
+          </a:p>
+          <a:p>
+            <a:r>
+              <a:rPr lang="en-US" altLang="ko-KR" dirty="0" smtClean="0">
+                <a:latin typeface="Calibri Light" panose="020F0302020204030204" pitchFamily="34" charset="0"/>
+              </a:rPr>
+              <a:t>Theoph1.draw();</a:t>
+            </a:r>
+          </a:p>
+          <a:p>
+            <a:r>
+              <a:rPr lang="en-US" altLang="ko-KR" b="1" dirty="0" err="1" smtClean="0">
+                <a:solidFill>
+                  <a:srgbClr val="BF11AA"/>
+                </a:solidFill>
+                <a:latin typeface="Calibri Light" panose="020F0302020204030204" pitchFamily="34" charset="0"/>
+              </a:rPr>
+              <a:t>var</a:t>
+            </a:r>
+            <a:r>
+              <a:rPr lang="en-US" altLang="ko-KR" dirty="0" smtClean="0">
+                <a:latin typeface="Calibri Light" panose="020F0302020204030204" pitchFamily="34" charset="0"/>
+              </a:rPr>
+              <a:t> </a:t>
+            </a:r>
+            <a:r>
+              <a:rPr lang="en-US" altLang="ko-KR" dirty="0" err="1">
+                <a:latin typeface="Calibri Light" panose="020F0302020204030204" pitchFamily="34" charset="0"/>
+              </a:rPr>
+              <a:t>AllAxisObjArr</a:t>
+            </a:r>
+            <a:r>
+              <a:rPr lang="en-US" altLang="ko-KR" dirty="0">
+                <a:latin typeface="Calibri Light" panose="020F0302020204030204" pitchFamily="34" charset="0"/>
+              </a:rPr>
+              <a:t> = [axis1, axis2]; </a:t>
+            </a:r>
+          </a:p>
+          <a:p>
+            <a:r>
+              <a:rPr lang="en-US" altLang="ko-KR" dirty="0" err="1" smtClean="0">
+                <a:latin typeface="Calibri Light" panose="020F0302020204030204" pitchFamily="34" charset="0"/>
+              </a:rPr>
+              <a:t>eventTrigger</a:t>
+            </a:r>
+            <a:r>
+              <a:rPr lang="en-US" altLang="ko-KR" dirty="0" smtClean="0">
+                <a:latin typeface="Calibri Light" panose="020F0302020204030204" pitchFamily="34" charset="0"/>
+              </a:rPr>
+              <a:t>(</a:t>
+            </a:r>
+            <a:r>
+              <a:rPr lang="en-US" altLang="ko-KR" dirty="0" err="1" smtClean="0">
+                <a:latin typeface="Calibri Light" panose="020F0302020204030204" pitchFamily="34" charset="0"/>
+              </a:rPr>
+              <a:t>AllAxisObjArr</a:t>
+            </a:r>
+            <a:r>
+              <a:rPr lang="en-US" altLang="ko-KR" dirty="0">
+                <a:latin typeface="Calibri Light" panose="020F0302020204030204" pitchFamily="34" charset="0"/>
+              </a:rPr>
+              <a:t>);</a:t>
+            </a:r>
+          </a:p>
+          <a:p>
+            <a:r>
+              <a:rPr lang="en-US" altLang="ko-KR" dirty="0" smtClean="0">
+                <a:solidFill>
+                  <a:srgbClr val="00CC66"/>
+                </a:solidFill>
+                <a:latin typeface="Calibri Light" panose="020F0302020204030204" pitchFamily="34" charset="0"/>
+              </a:rPr>
+              <a:t>&lt;/</a:t>
+            </a:r>
+            <a:r>
+              <a:rPr lang="en-US" altLang="ko-KR" dirty="0">
+                <a:solidFill>
+                  <a:srgbClr val="00CC66"/>
+                </a:solidFill>
+                <a:latin typeface="Calibri Light" panose="020F0302020204030204" pitchFamily="34" charset="0"/>
+              </a:rPr>
+              <a:t>script&gt;</a:t>
+            </a:r>
+          </a:p>
+          <a:p>
+            <a:r>
+              <a:rPr lang="en-US" altLang="ko-KR" dirty="0" smtClean="0">
+                <a:solidFill>
+                  <a:srgbClr val="00CC66"/>
+                </a:solidFill>
+                <a:latin typeface="Calibri Light" panose="020F0302020204030204" pitchFamily="34" charset="0"/>
+              </a:rPr>
+              <a:t>&lt;</a:t>
+            </a:r>
+            <a:r>
+              <a:rPr lang="en-US" altLang="ko-KR" dirty="0">
+                <a:solidFill>
+                  <a:srgbClr val="00CC66"/>
+                </a:solidFill>
+                <a:latin typeface="Calibri Light" panose="020F0302020204030204" pitchFamily="34" charset="0"/>
+              </a:rPr>
+              <a:t>script&gt;</a:t>
+            </a:r>
+          </a:p>
+          <a:p>
+            <a:r>
+              <a:rPr lang="en-US" altLang="ko-KR" dirty="0" smtClean="0">
+                <a:solidFill>
+                  <a:srgbClr val="00CC66"/>
+                </a:solidFill>
+                <a:latin typeface="Calibri Light" panose="020F0302020204030204" pitchFamily="34" charset="0"/>
+              </a:rPr>
+              <a:t>// </a:t>
+            </a:r>
+            <a:r>
+              <a:rPr lang="en-US" altLang="ko-KR" dirty="0">
+                <a:solidFill>
+                  <a:srgbClr val="00CC66"/>
+                </a:solidFill>
+                <a:latin typeface="Calibri Light" panose="020F0302020204030204" pitchFamily="34" charset="0"/>
+              </a:rPr>
+              <a:t>offload part.</a:t>
+            </a:r>
+          </a:p>
+          <a:p>
+            <a:r>
+              <a:rPr lang="en-US" altLang="ko-KR" b="1" dirty="0" err="1" smtClean="0">
+                <a:solidFill>
+                  <a:srgbClr val="BF11AA"/>
+                </a:solidFill>
+                <a:latin typeface="Calibri Light" panose="020F0302020204030204" pitchFamily="34" charset="0"/>
+              </a:rPr>
+              <a:t>var</a:t>
+            </a:r>
+            <a:r>
+              <a:rPr lang="en-US" altLang="ko-KR" dirty="0" smtClean="0">
+                <a:latin typeface="Calibri Light" panose="020F0302020204030204" pitchFamily="34" charset="0"/>
+              </a:rPr>
+              <a:t> </a:t>
+            </a:r>
+            <a:r>
+              <a:rPr lang="en-US" altLang="ko-KR" dirty="0" err="1">
+                <a:latin typeface="Calibri Light" panose="020F0302020204030204" pitchFamily="34" charset="0"/>
+              </a:rPr>
+              <a:t>loessArray</a:t>
+            </a:r>
+            <a:r>
+              <a:rPr lang="en-US" altLang="ko-KR" dirty="0">
+                <a:latin typeface="Calibri Light" panose="020F0302020204030204" pitchFamily="34" charset="0"/>
+              </a:rPr>
+              <a:t> = </a:t>
+            </a:r>
+            <a:r>
+              <a:rPr lang="en-US" altLang="ko-KR" dirty="0" err="1">
+                <a:latin typeface="Calibri Light" panose="020F0302020204030204" pitchFamily="34" charset="0"/>
+              </a:rPr>
+              <a:t>createMainStructureE</a:t>
+            </a:r>
+            <a:r>
+              <a:rPr lang="en-US" altLang="ko-KR" dirty="0">
+                <a:latin typeface="Calibri Light" panose="020F0302020204030204" pitchFamily="34" charset="0"/>
+              </a:rPr>
+              <a:t>(</a:t>
+            </a:r>
+            <a:r>
+              <a:rPr lang="en-US" altLang="ko-KR" dirty="0">
+                <a:solidFill>
+                  <a:srgbClr val="0000FF"/>
+                </a:solidFill>
+                <a:latin typeface="Calibri Light" panose="020F0302020204030204" pitchFamily="34" charset="0"/>
+              </a:rPr>
+              <a:t>'</a:t>
+            </a:r>
+            <a:r>
+              <a:rPr lang="en-US" altLang="ko-KR" dirty="0" err="1">
+                <a:solidFill>
+                  <a:srgbClr val="0000FF"/>
+                </a:solidFill>
+                <a:latin typeface="Calibri Light" panose="020F0302020204030204" pitchFamily="34" charset="0"/>
+              </a:rPr>
+              <a:t>Theoph</a:t>
+            </a:r>
+            <a:r>
+              <a:rPr lang="en-US" altLang="ko-KR" dirty="0">
+                <a:solidFill>
+                  <a:srgbClr val="0000FF"/>
+                </a:solidFill>
+                <a:latin typeface="Calibri Light" panose="020F0302020204030204" pitchFamily="34" charset="0"/>
+              </a:rPr>
+              <a:t>'</a:t>
+            </a:r>
+            <a:r>
+              <a:rPr lang="en-US" altLang="ko-KR" dirty="0">
+                <a:latin typeface="Calibri Light" panose="020F0302020204030204" pitchFamily="34" charset="0"/>
+              </a:rPr>
+              <a:t>); </a:t>
+            </a:r>
+          </a:p>
+          <a:p>
+            <a:r>
+              <a:rPr lang="en-US" altLang="ko-KR" b="1" dirty="0" err="1" smtClean="0">
+                <a:solidFill>
+                  <a:srgbClr val="BF11AA"/>
+                </a:solidFill>
+                <a:latin typeface="Calibri Light" panose="020F0302020204030204" pitchFamily="34" charset="0"/>
+              </a:rPr>
+              <a:t>var</a:t>
+            </a:r>
+            <a:r>
+              <a:rPr lang="en-US" altLang="ko-KR" dirty="0" smtClean="0">
+                <a:latin typeface="Calibri Light" panose="020F0302020204030204" pitchFamily="34" charset="0"/>
+              </a:rPr>
+              <a:t> </a:t>
+            </a:r>
+            <a:r>
+              <a:rPr lang="en-US" altLang="ko-KR" dirty="0">
+                <a:latin typeface="Calibri Light" panose="020F0302020204030204" pitchFamily="34" charset="0"/>
+              </a:rPr>
+              <a:t>loffObj1 = new </a:t>
+            </a:r>
+            <a:r>
+              <a:rPr lang="en-US" altLang="ko-KR" dirty="0" err="1">
+                <a:latin typeface="Calibri Light" panose="020F0302020204030204" pitchFamily="34" charset="0"/>
+              </a:rPr>
+              <a:t>MakeLineObj</a:t>
+            </a:r>
+            <a:r>
+              <a:rPr lang="en-US" altLang="ko-KR" dirty="0">
+                <a:latin typeface="Calibri Light" panose="020F0302020204030204" pitchFamily="34" charset="0"/>
+              </a:rPr>
+              <a:t>(</a:t>
+            </a:r>
+            <a:r>
+              <a:rPr lang="en-US" altLang="ko-KR" dirty="0" err="1">
+                <a:latin typeface="Calibri Light" panose="020F0302020204030204" pitchFamily="34" charset="0"/>
+              </a:rPr>
+              <a:t>loessArray</a:t>
+            </a:r>
+            <a:r>
+              <a:rPr lang="en-US" altLang="ko-KR" dirty="0">
+                <a:latin typeface="Calibri Light" panose="020F0302020204030204" pitchFamily="34" charset="0"/>
+              </a:rPr>
+              <a:t>, </a:t>
+            </a:r>
+            <a:r>
+              <a:rPr lang="en-US" altLang="ko-KR" dirty="0">
+                <a:solidFill>
+                  <a:srgbClr val="0000FF"/>
+                </a:solidFill>
+                <a:latin typeface="Calibri Light" panose="020F0302020204030204" pitchFamily="34" charset="0"/>
+              </a:rPr>
+              <a:t>'Time'</a:t>
+            </a:r>
+            <a:r>
+              <a:rPr lang="en-US" altLang="ko-KR" dirty="0">
+                <a:latin typeface="Calibri Light" panose="020F0302020204030204" pitchFamily="34" charset="0"/>
+              </a:rPr>
+              <a:t>, </a:t>
+            </a:r>
+            <a:r>
+              <a:rPr lang="en-US" altLang="ko-KR" dirty="0">
+                <a:solidFill>
+                  <a:srgbClr val="0000FF"/>
+                </a:solidFill>
+                <a:latin typeface="Calibri Light" panose="020F0302020204030204" pitchFamily="34" charset="0"/>
+              </a:rPr>
+              <a:t>'</a:t>
+            </a:r>
+            <a:r>
+              <a:rPr lang="en-US" altLang="ko-KR" dirty="0" err="1">
+                <a:solidFill>
+                  <a:srgbClr val="0000FF"/>
+                </a:solidFill>
+                <a:latin typeface="Calibri Light" panose="020F0302020204030204" pitchFamily="34" charset="0"/>
+              </a:rPr>
+              <a:t>conc</a:t>
+            </a:r>
+            <a:r>
+              <a:rPr lang="en-US" altLang="ko-KR" dirty="0">
+                <a:solidFill>
+                  <a:srgbClr val="0000FF"/>
+                </a:solidFill>
+                <a:latin typeface="Calibri Light" panose="020F0302020204030204" pitchFamily="34" charset="0"/>
+              </a:rPr>
+              <a:t>'</a:t>
+            </a:r>
+            <a:r>
+              <a:rPr lang="en-US" altLang="ko-KR" dirty="0">
+                <a:latin typeface="Calibri Light" panose="020F0302020204030204" pitchFamily="34" charset="0"/>
+              </a:rPr>
+              <a:t>, {});</a:t>
+            </a:r>
+          </a:p>
+          <a:p>
+            <a:r>
+              <a:rPr lang="en-US" altLang="ko-KR" b="1" dirty="0" err="1" smtClean="0">
+                <a:solidFill>
+                  <a:srgbClr val="BF11AA"/>
+                </a:solidFill>
+                <a:latin typeface="Calibri Light" panose="020F0302020204030204" pitchFamily="34" charset="0"/>
+              </a:rPr>
+              <a:t>var</a:t>
+            </a:r>
+            <a:r>
+              <a:rPr lang="en-US" altLang="ko-KR" dirty="0" smtClean="0">
+                <a:latin typeface="Calibri Light" panose="020F0302020204030204" pitchFamily="34" charset="0"/>
+              </a:rPr>
+              <a:t> </a:t>
+            </a:r>
+            <a:r>
+              <a:rPr lang="en-US" altLang="ko-KR" dirty="0">
+                <a:latin typeface="Calibri Light" panose="020F0302020204030204" pitchFamily="34" charset="0"/>
+              </a:rPr>
+              <a:t>loff1 = new Line(axis1, </a:t>
+            </a:r>
+            <a:r>
+              <a:rPr lang="en-US" altLang="ko-KR" dirty="0" smtClean="0">
+                <a:latin typeface="Calibri Light" panose="020F0302020204030204" pitchFamily="34" charset="0"/>
+              </a:rPr>
+              <a:t>loffObj1, </a:t>
+            </a:r>
+            <a:r>
+              <a:rPr lang="en-US" altLang="ko-KR" dirty="0" smtClean="0">
+                <a:solidFill>
+                  <a:srgbClr val="0000FF"/>
+                </a:solidFill>
+                <a:latin typeface="Calibri Light" panose="020F0302020204030204" pitchFamily="34" charset="0"/>
+              </a:rPr>
+              <a:t>'x1'</a:t>
+            </a:r>
+            <a:r>
+              <a:rPr lang="en-US" altLang="ko-KR" dirty="0" smtClean="0">
+                <a:latin typeface="Calibri Light" panose="020F0302020204030204" pitchFamily="34" charset="0"/>
+              </a:rPr>
+              <a:t>, </a:t>
+            </a:r>
+            <a:r>
+              <a:rPr lang="en-US" altLang="ko-KR" dirty="0">
+                <a:solidFill>
+                  <a:srgbClr val="0000FF"/>
+                </a:solidFill>
+                <a:latin typeface="Calibri Light" panose="020F0302020204030204" pitchFamily="34" charset="0"/>
+              </a:rPr>
+              <a:t>'x2'</a:t>
+            </a:r>
+            <a:r>
+              <a:rPr lang="en-US" altLang="ko-KR" dirty="0">
+                <a:latin typeface="Calibri Light" panose="020F0302020204030204" pitchFamily="34" charset="0"/>
+              </a:rPr>
+              <a:t>, </a:t>
+            </a:r>
+            <a:r>
+              <a:rPr lang="en-US" altLang="ko-KR" dirty="0">
+                <a:solidFill>
+                  <a:srgbClr val="0000FF"/>
+                </a:solidFill>
+                <a:latin typeface="Calibri Light" panose="020F0302020204030204" pitchFamily="34" charset="0"/>
+              </a:rPr>
+              <a:t>'y1'</a:t>
+            </a:r>
+            <a:r>
+              <a:rPr lang="en-US" altLang="ko-KR" dirty="0">
+                <a:latin typeface="Calibri Light" panose="020F0302020204030204" pitchFamily="34" charset="0"/>
+              </a:rPr>
+              <a:t>, </a:t>
+            </a:r>
+            <a:r>
+              <a:rPr lang="en-US" altLang="ko-KR" dirty="0">
+                <a:solidFill>
+                  <a:srgbClr val="0000FF"/>
+                </a:solidFill>
+                <a:latin typeface="Calibri Light" panose="020F0302020204030204" pitchFamily="34" charset="0"/>
+              </a:rPr>
+              <a:t>'y2'</a:t>
+            </a:r>
+            <a:r>
+              <a:rPr lang="en-US" altLang="ko-KR" dirty="0">
+                <a:latin typeface="Calibri Light" panose="020F0302020204030204" pitchFamily="34" charset="0"/>
+              </a:rPr>
+              <a:t>, {});</a:t>
+            </a:r>
+          </a:p>
+          <a:p>
+            <a:r>
+              <a:rPr lang="en-US" altLang="ko-KR" dirty="0" smtClean="0">
+                <a:latin typeface="Calibri Light" panose="020F0302020204030204" pitchFamily="34" charset="0"/>
+              </a:rPr>
+              <a:t>$(</a:t>
+            </a:r>
+            <a:r>
+              <a:rPr lang="en-US" altLang="ko-KR" b="1" dirty="0">
+                <a:solidFill>
+                  <a:srgbClr val="BF11AA"/>
+                </a:solidFill>
+                <a:latin typeface="Calibri Light" panose="020F0302020204030204" pitchFamily="34" charset="0"/>
+              </a:rPr>
+              <a:t>function</a:t>
+            </a:r>
+            <a:r>
+              <a:rPr lang="en-US" altLang="ko-KR" dirty="0">
+                <a:latin typeface="Calibri Light" panose="020F0302020204030204" pitchFamily="34" charset="0"/>
+              </a:rPr>
+              <a:t>() {</a:t>
+            </a:r>
+          </a:p>
+          <a:p>
+            <a:r>
+              <a:rPr lang="en-US" altLang="ko-KR" dirty="0" smtClean="0">
+                <a:latin typeface="Calibri Light" panose="020F0302020204030204" pitchFamily="34" charset="0"/>
+              </a:rPr>
+              <a:t>           </a:t>
+            </a:r>
+            <a:r>
+              <a:rPr lang="en-US" altLang="ko-KR" dirty="0" err="1" smtClean="0">
+                <a:latin typeface="Calibri Light" panose="020F0302020204030204" pitchFamily="34" charset="0"/>
+              </a:rPr>
+              <a:t>setTimeout</a:t>
+            </a:r>
+            <a:r>
+              <a:rPr lang="en-US" altLang="ko-KR" dirty="0" smtClean="0">
+                <a:latin typeface="Calibri Light" panose="020F0302020204030204" pitchFamily="34" charset="0"/>
+              </a:rPr>
+              <a:t>(</a:t>
+            </a:r>
+            <a:r>
+              <a:rPr lang="en-US" altLang="ko-KR" b="1" dirty="0" smtClean="0">
+                <a:solidFill>
+                  <a:srgbClr val="BF11AA"/>
+                </a:solidFill>
+                <a:latin typeface="Calibri Light" panose="020F0302020204030204" pitchFamily="34" charset="0"/>
+              </a:rPr>
+              <a:t>function</a:t>
+            </a:r>
+            <a:r>
+              <a:rPr lang="en-US" altLang="ko-KR" dirty="0">
+                <a:latin typeface="Calibri Light" panose="020F0302020204030204" pitchFamily="34" charset="0"/>
+              </a:rPr>
+              <a:t>() {</a:t>
+            </a:r>
+          </a:p>
+          <a:p>
+            <a:r>
+              <a:rPr lang="en-US" altLang="ko-KR" dirty="0">
+                <a:latin typeface="Calibri Light" panose="020F0302020204030204" pitchFamily="34" charset="0"/>
+              </a:rPr>
+              <a:t>            </a:t>
+            </a:r>
+            <a:r>
+              <a:rPr lang="en-US" altLang="ko-KR" dirty="0" err="1">
+                <a:latin typeface="Calibri Light" panose="020F0302020204030204" pitchFamily="34" charset="0"/>
+              </a:rPr>
+              <a:t>window.Shiny.onInputChange</a:t>
+            </a:r>
+            <a:r>
+              <a:rPr lang="en-US" altLang="ko-KR" dirty="0">
+                <a:latin typeface="Calibri Light" panose="020F0302020204030204" pitchFamily="34" charset="0"/>
+              </a:rPr>
+              <a:t>(</a:t>
+            </a:r>
+            <a:r>
+              <a:rPr lang="en-US" altLang="ko-KR" dirty="0">
+                <a:solidFill>
+                  <a:srgbClr val="0000FF"/>
+                </a:solidFill>
+                <a:latin typeface="Calibri Light" panose="020F0302020204030204" pitchFamily="34" charset="0"/>
+              </a:rPr>
+              <a:t>'</a:t>
+            </a:r>
+            <a:r>
+              <a:rPr lang="en-US" altLang="ko-KR" dirty="0" err="1">
+                <a:solidFill>
+                  <a:srgbClr val="0000FF"/>
+                </a:solidFill>
+                <a:latin typeface="Calibri Light" panose="020F0302020204030204" pitchFamily="34" charset="0"/>
+              </a:rPr>
+              <a:t>Theoph</a:t>
+            </a:r>
+            <a:r>
+              <a:rPr lang="en-US" altLang="ko-KR" dirty="0">
+                <a:solidFill>
+                  <a:srgbClr val="0000FF"/>
+                </a:solidFill>
+                <a:latin typeface="Calibri Light" panose="020F0302020204030204" pitchFamily="34" charset="0"/>
+              </a:rPr>
+              <a:t>'</a:t>
+            </a:r>
+            <a:r>
+              <a:rPr lang="en-US" altLang="ko-KR" dirty="0">
+                <a:latin typeface="Calibri Light" panose="020F0302020204030204" pitchFamily="34" charset="0"/>
+              </a:rPr>
+              <a:t>, </a:t>
+            </a:r>
+            <a:r>
+              <a:rPr lang="en-US" altLang="ko-KR" dirty="0" err="1">
+                <a:latin typeface="Calibri Light" panose="020F0302020204030204" pitchFamily="34" charset="0"/>
+              </a:rPr>
+              <a:t>Theoph</a:t>
+            </a:r>
+            <a:r>
+              <a:rPr lang="en-US" altLang="ko-KR" dirty="0">
+                <a:latin typeface="Calibri Light" panose="020F0302020204030204" pitchFamily="34" charset="0"/>
+              </a:rPr>
+              <a:t>.$</a:t>
+            </a:r>
+            <a:r>
+              <a:rPr lang="en-US" altLang="ko-KR" dirty="0" err="1">
+                <a:latin typeface="Calibri Light" panose="020F0302020204030204" pitchFamily="34" charset="0"/>
+              </a:rPr>
+              <a:t>isHidden</a:t>
+            </a:r>
+            <a:r>
+              <a:rPr lang="en-US" altLang="ko-KR" dirty="0">
+                <a:latin typeface="Calibri Light" panose="020F0302020204030204" pitchFamily="34" charset="0"/>
+              </a:rPr>
+              <a:t>);</a:t>
+            </a:r>
+          </a:p>
+          <a:p>
+            <a:r>
+              <a:rPr lang="ko-KR" altLang="en-US" dirty="0">
+                <a:latin typeface="Calibri Light" panose="020F0302020204030204" pitchFamily="34" charset="0"/>
+              </a:rPr>
+              <a:t>          </a:t>
+            </a:r>
+            <a:r>
+              <a:rPr lang="en-US" altLang="ko-KR" dirty="0">
+                <a:latin typeface="Calibri Light" panose="020F0302020204030204" pitchFamily="34" charset="0"/>
+              </a:rPr>
+              <a:t>}, 1)</a:t>
+            </a:r>
+          </a:p>
+          <a:p>
+            <a:r>
+              <a:rPr lang="en-US" altLang="ko-KR" dirty="0" smtClean="0">
+                <a:latin typeface="Calibri Light" panose="020F0302020204030204" pitchFamily="34" charset="0"/>
+              </a:rPr>
+              <a:t>});</a:t>
+            </a:r>
+            <a:endParaRPr lang="en-US" altLang="ko-KR" dirty="0">
+              <a:latin typeface="Calibri Light" panose="020F0302020204030204" pitchFamily="34" charset="0"/>
+            </a:endParaRPr>
+          </a:p>
+          <a:p>
+            <a:r>
+              <a:rPr lang="en-US" altLang="ko-KR" dirty="0" smtClean="0">
+                <a:solidFill>
+                  <a:srgbClr val="00CC66"/>
+                </a:solidFill>
+                <a:latin typeface="Calibri Light" panose="020F0302020204030204" pitchFamily="34" charset="0"/>
+              </a:rPr>
+              <a:t>&lt;/</a:t>
+            </a:r>
+            <a:r>
+              <a:rPr lang="en-US" altLang="ko-KR" dirty="0">
+                <a:solidFill>
+                  <a:srgbClr val="00CC66"/>
+                </a:solidFill>
+                <a:latin typeface="Calibri Light" panose="020F0302020204030204" pitchFamily="34" charset="0"/>
+              </a:rPr>
+              <a:t>script&gt;</a:t>
+            </a:r>
+            <a:endParaRPr lang="ko-KR" altLang="en-US" dirty="0">
+              <a:solidFill>
+                <a:srgbClr val="00CC66"/>
+              </a:solidFill>
+              <a:latin typeface="Calibri Light" panose="020F0302020204030204" pitchFamily="34" charset="0"/>
+            </a:endParaRPr>
+          </a:p>
+        </p:txBody>
+      </p:sp>
+    </p:spTree>
+    <p:extLst>
+      <p:ext uri="{BB962C8B-B14F-4D97-AF65-F5344CB8AC3E}">
+        <p14:creationId xmlns:p14="http://schemas.microsoft.com/office/powerpoint/2010/main" val="3004427556"/>
+      </p:ext>
+    </p:extLst>
+  </p:cSld>
+  <p:clrMapOvr>
+    <a:masterClrMapping/>
+  </p:clrMapOvr>
+  <p:timing>
+    <p:tnLst>
+      <p:par>
+        <p:cTn id="1" dur="indefinite" restart="never" nodeType="tmRoot"/>
+      </p:par>
+    </p:tnLst>
+  </p:timing>
 </p:sld>
 </file>
 
@@ -32592,18 +34455,7 @@
                 <a:ea typeface="Arial Unicode MS" panose="020B0604020202020204" pitchFamily="50" charset="-127"/>
                 <a:cs typeface="Arial Unicode MS" panose="020B0604020202020204" pitchFamily="50" charset="-127"/>
               </a:rPr>
-              <a:t>hist</a:t>
-            </a:r>
-            <a:r>
-              <a:rPr lang="en-US" altLang="ko-KR" sz="1200" b="1" dirty="0" smtClean="0">
-                <a:solidFill>
-                  <a:schemeClr val="tx1"/>
-                </a:solidFill>
-                <a:latin typeface="+mj-lt"/>
-                <a:ea typeface="Arial Unicode MS" panose="020B0604020202020204" pitchFamily="50" charset="-127"/>
-                <a:cs typeface="Arial Unicode MS" panose="020B0604020202020204" pitchFamily="50" charset="-127"/>
-              </a:rPr>
-              <a:t>Obj1</a:t>
+              <a:t>histObj1</a:t>
             </a:r>
             <a:endParaRPr lang="ko-KR" altLang="en-US" sz="1200" b="1" dirty="0">
               <a:solidFill>

--- a/papers/useR_2014/poster picture.pptx
+++ b/papers/useR_2014/poster picture.pptx
@@ -16,12 +16,13 @@
     <p:sldId id="264" r:id="rId10"/>
     <p:sldId id="265" r:id="rId11"/>
     <p:sldId id="266" r:id="rId12"/>
-    <p:sldId id="267" r:id="rId13"/>
-    <p:sldId id="268" r:id="rId14"/>
-    <p:sldId id="269" r:id="rId15"/>
-    <p:sldId id="270" r:id="rId16"/>
-    <p:sldId id="271" r:id="rId17"/>
-    <p:sldId id="272" r:id="rId18"/>
+    <p:sldId id="273" r:id="rId13"/>
+    <p:sldId id="267" r:id="rId14"/>
+    <p:sldId id="268" r:id="rId15"/>
+    <p:sldId id="269" r:id="rId16"/>
+    <p:sldId id="270" r:id="rId17"/>
+    <p:sldId id="271" r:id="rId18"/>
+    <p:sldId id="272" r:id="rId19"/>
   </p:sldIdLst>
   <p:sldSz cx="12192000" cy="6858000"/>
   <p:notesSz cx="6858000" cy="9144000"/>
@@ -259,7 +260,7 @@
           <a:p>
             <a:fld id="{9C70C43B-A0CF-4A0A-A8D2-E4E0B46452F2}" type="datetimeFigureOut">
               <a:rPr lang="ko-KR" altLang="en-US" smtClean="0"/>
-              <a:t>2014-06-25</a:t>
+              <a:t>2014-06-26</a:t>
             </a:fld>
             <a:endParaRPr lang="ko-KR" altLang="en-US"/>
           </a:p>
@@ -429,7 +430,7 @@
           <a:p>
             <a:fld id="{9C70C43B-A0CF-4A0A-A8D2-E4E0B46452F2}" type="datetimeFigureOut">
               <a:rPr lang="ko-KR" altLang="en-US" smtClean="0"/>
-              <a:t>2014-06-25</a:t>
+              <a:t>2014-06-26</a:t>
             </a:fld>
             <a:endParaRPr lang="ko-KR" altLang="en-US"/>
           </a:p>
@@ -609,7 +610,7 @@
           <a:p>
             <a:fld id="{9C70C43B-A0CF-4A0A-A8D2-E4E0B46452F2}" type="datetimeFigureOut">
               <a:rPr lang="ko-KR" altLang="en-US" smtClean="0"/>
-              <a:t>2014-06-25</a:t>
+              <a:t>2014-06-26</a:t>
             </a:fld>
             <a:endParaRPr lang="ko-KR" altLang="en-US"/>
           </a:p>
@@ -779,7 +780,7 @@
           <a:p>
             <a:fld id="{9C70C43B-A0CF-4A0A-A8D2-E4E0B46452F2}" type="datetimeFigureOut">
               <a:rPr lang="ko-KR" altLang="en-US" smtClean="0"/>
-              <a:t>2014-06-25</a:t>
+              <a:t>2014-06-26</a:t>
             </a:fld>
             <a:endParaRPr lang="ko-KR" altLang="en-US"/>
           </a:p>
@@ -1025,7 +1026,7 @@
           <a:p>
             <a:fld id="{9C70C43B-A0CF-4A0A-A8D2-E4E0B46452F2}" type="datetimeFigureOut">
               <a:rPr lang="ko-KR" altLang="en-US" smtClean="0"/>
-              <a:t>2014-06-25</a:t>
+              <a:t>2014-06-26</a:t>
             </a:fld>
             <a:endParaRPr lang="ko-KR" altLang="en-US"/>
           </a:p>
@@ -1257,7 +1258,7 @@
           <a:p>
             <a:fld id="{9C70C43B-A0CF-4A0A-A8D2-E4E0B46452F2}" type="datetimeFigureOut">
               <a:rPr lang="ko-KR" altLang="en-US" smtClean="0"/>
-              <a:t>2014-06-25</a:t>
+              <a:t>2014-06-26</a:t>
             </a:fld>
             <a:endParaRPr lang="ko-KR" altLang="en-US"/>
           </a:p>
@@ -1624,7 +1625,7 @@
           <a:p>
             <a:fld id="{9C70C43B-A0CF-4A0A-A8D2-E4E0B46452F2}" type="datetimeFigureOut">
               <a:rPr lang="ko-KR" altLang="en-US" smtClean="0"/>
-              <a:t>2014-06-25</a:t>
+              <a:t>2014-06-26</a:t>
             </a:fld>
             <a:endParaRPr lang="ko-KR" altLang="en-US"/>
           </a:p>
@@ -1742,7 +1743,7 @@
           <a:p>
             <a:fld id="{9C70C43B-A0CF-4A0A-A8D2-E4E0B46452F2}" type="datetimeFigureOut">
               <a:rPr lang="ko-KR" altLang="en-US" smtClean="0"/>
-              <a:t>2014-06-25</a:t>
+              <a:t>2014-06-26</a:t>
             </a:fld>
             <a:endParaRPr lang="ko-KR" altLang="en-US"/>
           </a:p>
@@ -1837,7 +1838,7 @@
           <a:p>
             <a:fld id="{9C70C43B-A0CF-4A0A-A8D2-E4E0B46452F2}" type="datetimeFigureOut">
               <a:rPr lang="ko-KR" altLang="en-US" smtClean="0"/>
-              <a:t>2014-06-25</a:t>
+              <a:t>2014-06-26</a:t>
             </a:fld>
             <a:endParaRPr lang="ko-KR" altLang="en-US"/>
           </a:p>
@@ -2114,7 +2115,7 @@
           <a:p>
             <a:fld id="{9C70C43B-A0CF-4A0A-A8D2-E4E0B46452F2}" type="datetimeFigureOut">
               <a:rPr lang="ko-KR" altLang="en-US" smtClean="0"/>
-              <a:t>2014-06-25</a:t>
+              <a:t>2014-06-26</a:t>
             </a:fld>
             <a:endParaRPr lang="ko-KR" altLang="en-US"/>
           </a:p>
@@ -2367,7 +2368,7 @@
           <a:p>
             <a:fld id="{9C70C43B-A0CF-4A0A-A8D2-E4E0B46452F2}" type="datetimeFigureOut">
               <a:rPr lang="ko-KR" altLang="en-US" smtClean="0"/>
-              <a:t>2014-06-25</a:t>
+              <a:t>2014-06-26</a:t>
             </a:fld>
             <a:endParaRPr lang="ko-KR" altLang="en-US"/>
           </a:p>
@@ -2580,7 +2581,7 @@
           <a:p>
             <a:fld id="{9C70C43B-A0CF-4A0A-A8D2-E4E0B46452F2}" type="datetimeFigureOut">
               <a:rPr lang="ko-KR" altLang="en-US" smtClean="0"/>
-              <a:t>2014-06-25</a:t>
+              <a:t>2014-06-26</a:t>
             </a:fld>
             <a:endParaRPr lang="ko-KR" altLang="en-US"/>
           </a:p>
@@ -4743,44 +4744,14 @@
         </p:blipFill>
         <p:spPr>
           <a:xfrm>
-            <a:off x="1392382" y="1356014"/>
-            <a:ext cx="7161088" cy="3621232"/>
+            <a:off x="-1" y="0"/>
+            <a:ext cx="12092683" cy="6858000"/>
           </a:xfrm>
           <a:prstGeom prst="rect">
             <a:avLst/>
           </a:prstGeom>
         </p:spPr>
       </p:pic>
-      <p:sp>
-        <p:nvSpPr>
-          <p:cNvPr id="6" name="TextBox 5"/>
-          <p:cNvSpPr txBox="1"/>
-          <p:nvPr/>
-        </p:nvSpPr>
-        <p:spPr>
-          <a:xfrm>
-            <a:off x="2978726" y="2087708"/>
-            <a:ext cx="1666009" cy="369332"/>
-          </a:xfrm>
-          <a:prstGeom prst="rect">
-            <a:avLst/>
-          </a:prstGeom>
-          <a:noFill/>
-        </p:spPr>
-        <p:txBody>
-          <a:bodyPr wrap="square" rtlCol="0">
-            <a:spAutoFit/>
-          </a:bodyPr>
-          <a:lstStyle/>
-          <a:p>
-            <a:r>
-              <a:rPr lang="en-US" altLang="ko-KR" dirty="0" smtClean="0"/>
-              <a:t>drag select!</a:t>
-            </a:r>
-            <a:endParaRPr lang="ko-KR" altLang="en-US" dirty="0"/>
-          </a:p>
-        </p:txBody>
-      </p:sp>
     </p:spTree>
     <p:extLst>
       <p:ext uri="{BB962C8B-B14F-4D97-AF65-F5344CB8AC3E}">
@@ -4834,8 +4805,8 @@
         </p:blipFill>
         <p:spPr>
           <a:xfrm>
-            <a:off x="1914525" y="1323975"/>
-            <a:ext cx="8362950" cy="4210050"/>
+            <a:off x="117058" y="0"/>
+            <a:ext cx="12074942" cy="6705600"/>
           </a:xfrm>
           <a:prstGeom prst="rect">
             <a:avLst/>
@@ -4895,6 +4866,67 @@
         </p:blipFill>
         <p:spPr>
           <a:xfrm>
+            <a:off x="0" y="0"/>
+            <a:ext cx="12192000" cy="6858000"/>
+          </a:xfrm>
+          <a:prstGeom prst="rect">
+            <a:avLst/>
+          </a:prstGeom>
+        </p:spPr>
+      </p:pic>
+    </p:spTree>
+    <p:extLst>
+      <p:ext uri="{BB962C8B-B14F-4D97-AF65-F5344CB8AC3E}">
+        <p14:creationId xmlns:p14="http://schemas.microsoft.com/office/powerpoint/2010/main" val="3911410292"/>
+      </p:ext>
+    </p:extLst>
+  </p:cSld>
+  <p:clrMapOvr>
+    <a:masterClrMapping/>
+  </p:clrMapOvr>
+  <p:timing>
+    <p:tnLst>
+      <p:par>
+        <p:cTn id="1" dur="indefinite" restart="never" nodeType="tmRoot"/>
+      </p:par>
+    </p:tnLst>
+  </p:timing>
+</p:sld>
+</file>
+
+<file path=ppt/slides/slide13.xml><?xml version="1.0" encoding="utf-8"?>
+<p:sld xmlns:a="http://schemas.openxmlformats.org/drawingml/2006/main" xmlns:r="http://schemas.openxmlformats.org/officeDocument/2006/relationships" xmlns:p="http://schemas.openxmlformats.org/presentationml/2006/main">
+  <p:cSld>
+    <p:spTree>
+      <p:nvGrpSpPr>
+        <p:cNvPr id="1" name=""/>
+        <p:cNvGrpSpPr/>
+        <p:nvPr/>
+      </p:nvGrpSpPr>
+      <p:grpSpPr>
+        <a:xfrm>
+          <a:off x="0" y="0"/>
+          <a:ext cx="0" cy="0"/>
+          <a:chOff x="0" y="0"/>
+          <a:chExt cx="0" cy="0"/>
+        </a:xfrm>
+      </p:grpSpPr>
+      <p:pic>
+        <p:nvPicPr>
+          <p:cNvPr id="3" name="그림 2"/>
+          <p:cNvPicPr>
+            <a:picLocks noChangeAspect="1"/>
+          </p:cNvPicPr>
+          <p:nvPr/>
+        </p:nvPicPr>
+        <p:blipFill>
+          <a:blip r:embed="rId2"/>
+          <a:stretch>
+            <a:fillRect/>
+          </a:stretch>
+        </p:blipFill>
+        <p:spPr>
+          <a:xfrm>
             <a:off x="3681412" y="1590675"/>
             <a:ext cx="4829175" cy="3676650"/>
           </a:xfrm>
@@ -4916,7 +4948,7 @@
 </p:sld>
 </file>
 
-<file path=ppt/slides/slide13.xml><?xml version="1.0" encoding="utf-8"?>
+<file path=ppt/slides/slide14.xml><?xml version="1.0" encoding="utf-8"?>
 <p:sld xmlns:a="http://schemas.openxmlformats.org/drawingml/2006/main" xmlns:r="http://schemas.openxmlformats.org/officeDocument/2006/relationships" xmlns:p="http://schemas.openxmlformats.org/presentationml/2006/main">
   <p:cSld>
     <p:spTree>
@@ -4970,7 +5002,7 @@
 </p:sld>
 </file>
 
-<file path=ppt/slides/slide14.xml><?xml version="1.0" encoding="utf-8"?>
+<file path=ppt/slides/slide15.xml><?xml version="1.0" encoding="utf-8"?>
 <p:sld xmlns:a="http://schemas.openxmlformats.org/drawingml/2006/main" xmlns:r="http://schemas.openxmlformats.org/officeDocument/2006/relationships" xmlns:p="http://schemas.openxmlformats.org/presentationml/2006/main">
   <p:cSld>
     <p:spTree>
@@ -5030,7 +5062,7 @@
 </p:sld>
 </file>
 
-<file path=ppt/slides/slide15.xml><?xml version="1.0" encoding="utf-8"?>
+<file path=ppt/slides/slide16.xml><?xml version="1.0" encoding="utf-8"?>
 <p:sld xmlns:a="http://schemas.openxmlformats.org/drawingml/2006/main" xmlns:r="http://schemas.openxmlformats.org/officeDocument/2006/relationships" xmlns:p="http://schemas.openxmlformats.org/presentationml/2006/main">
   <p:cSld>
     <p:spTree>
@@ -9029,7 +9061,7 @@
 </p:sld>
 </file>
 
-<file path=ppt/slides/slide16.xml><?xml version="1.0" encoding="utf-8"?>
+<file path=ppt/slides/slide17.xml><?xml version="1.0" encoding="utf-8"?>
 <p:sld xmlns:a="http://schemas.openxmlformats.org/drawingml/2006/main" xmlns:r="http://schemas.openxmlformats.org/officeDocument/2006/relationships" xmlns:p="http://schemas.openxmlformats.org/presentationml/2006/main">
   <p:cSld>
     <p:spTree>
@@ -9713,7 +9745,7 @@
 </p:sld>
 </file>
 
-<file path=ppt/slides/slide17.xml><?xml version="1.0" encoding="utf-8"?>
+<file path=ppt/slides/slide18.xml><?xml version="1.0" encoding="utf-8"?>
 <p:sld xmlns:a="http://schemas.openxmlformats.org/drawingml/2006/main" xmlns:r="http://schemas.openxmlformats.org/officeDocument/2006/relationships" xmlns:p="http://schemas.openxmlformats.org/presentationml/2006/main">
   <p:cSld>
     <p:spTree>
